--- a/Document/01. 퓨우웅 [Ppyungung] 전체 플로우 및 마일스톤.pptx
+++ b/Document/01. 퓨우웅 [Ppyungung] 전체 플로우 및 마일스톤.pptx
@@ -116,6 +116,11 @@
       </a:defRPr>
     </a:lvl9pPr>
   </p:defaultTextStyle>
+  <p:extLst>
+    <p:ext uri="{EFAFB233-063F-42B5-8137-9DF3F51BA10A}">
+      <p15:sldGuideLst xmlns:p15="http://schemas.microsoft.com/office/powerpoint/2012/main"/>
+    </p:ext>
+  </p:extLst>
 </p:presentation>
 </file>
 
@@ -3588,7 +3593,7 @@
           <a:p>
             <a:r>
               <a:rPr lang="ko-KR" altLang="en-US" dirty="0"/>
-              <a:t>게임 디자인 문서</a:t>
+              <a:t>전체 플로우 및 마일스톤</a:t>
             </a:r>
           </a:p>
         </p:txBody>
@@ -16574,7 +16579,7 @@
                   <a:schemeClr val="bg1"/>
                 </a:solidFill>
               </a:rPr>
-              <a:t>획득한 코인</a:t>
+              <a:t>총 보유 코인</a:t>
             </a:r>
             <a:endParaRPr lang="en-US" altLang="ko-KR" sz="1000" dirty="0">
               <a:solidFill>
@@ -17019,6 +17024,49 @@
           </a:xfrm>
           <a:prstGeom prst="straightConnector1">
             <a:avLst/>
+          </a:prstGeom>
+          <a:ln w="28575">
+            <a:solidFill>
+              <a:schemeClr val="tx1"/>
+            </a:solidFill>
+            <a:tailEnd type="triangle"/>
+          </a:ln>
+        </p:spPr>
+        <p:style>
+          <a:lnRef idx="1">
+            <a:schemeClr val="accent1"/>
+          </a:lnRef>
+          <a:fillRef idx="0">
+            <a:schemeClr val="accent1"/>
+          </a:fillRef>
+          <a:effectRef idx="0">
+            <a:schemeClr val="accent1"/>
+          </a:effectRef>
+          <a:fontRef idx="minor">
+            <a:schemeClr val="tx1"/>
+          </a:fontRef>
+        </p:style>
+      </p:cxnSp>
+      <p:cxnSp>
+        <p:nvCxnSpPr>
+          <p:cNvPr id="103" name="연결선: 꺾임 102"/>
+          <p:cNvCxnSpPr>
+            <a:cxnSpLocks/>
+            <a:stCxn id="98" idx="1"/>
+            <a:endCxn id="16" idx="0"/>
+          </p:cNvCxnSpPr>
+          <p:nvPr/>
+        </p:nvCxnSpPr>
+        <p:spPr>
+          <a:xfrm rot="10800000">
+            <a:off x="7313969" y="3395213"/>
+            <a:ext cx="1015374" cy="214560"/>
+          </a:xfrm>
+          <a:prstGeom prst="bentConnector4">
+            <a:avLst>
+              <a:gd name="adj1" fmla="val 24865"/>
+              <a:gd name="adj2" fmla="val 176411"/>
+            </a:avLst>
           </a:prstGeom>
           <a:ln w="28575">
             <a:solidFill>

--- a/Document/01. 퓨우웅 [Ppyungung] 전체 플로우 및 마일스톤.pptx
+++ b/Document/01. 퓨우웅 [Ppyungung] 전체 플로우 및 마일스톤.pptx
@@ -292,7 +292,7 @@
           <a:p>
             <a:fld id="{C64DB03E-8121-4F0F-9612-3E1A417CD2B1}" type="datetimeFigureOut">
               <a:rPr lang="ko-KR" altLang="en-US" smtClean="0"/>
-              <a:t>2017-02-18</a:t>
+              <a:t>2017-02-26</a:t>
             </a:fld>
             <a:endParaRPr lang="ko-KR" altLang="en-US"/>
           </a:p>
@@ -525,7 +525,7 @@
           <a:p>
             <a:fld id="{C64DB03E-8121-4F0F-9612-3E1A417CD2B1}" type="datetimeFigureOut">
               <a:rPr lang="ko-KR" altLang="en-US" smtClean="0"/>
-              <a:t>2017-02-18</a:t>
+              <a:t>2017-02-26</a:t>
             </a:fld>
             <a:endParaRPr lang="ko-KR" altLang="en-US"/>
           </a:p>
@@ -710,7 +710,7 @@
           <a:p>
             <a:fld id="{C64DB03E-8121-4F0F-9612-3E1A417CD2B1}" type="datetimeFigureOut">
               <a:rPr lang="ko-KR" altLang="en-US" smtClean="0"/>
-              <a:t>2017-02-18</a:t>
+              <a:t>2017-02-26</a:t>
             </a:fld>
             <a:endParaRPr lang="ko-KR" altLang="en-US"/>
           </a:p>
@@ -885,7 +885,7 @@
           <a:p>
             <a:fld id="{C64DB03E-8121-4F0F-9612-3E1A417CD2B1}" type="datetimeFigureOut">
               <a:rPr lang="ko-KR" altLang="en-US" smtClean="0"/>
-              <a:t>2017-02-18</a:t>
+              <a:t>2017-02-26</a:t>
             </a:fld>
             <a:endParaRPr lang="ko-KR" altLang="en-US"/>
           </a:p>
@@ -1144,7 +1144,7 @@
           <a:p>
             <a:fld id="{C64DB03E-8121-4F0F-9612-3E1A417CD2B1}" type="datetimeFigureOut">
               <a:rPr lang="ko-KR" altLang="en-US" smtClean="0"/>
-              <a:t>2017-02-18</a:t>
+              <a:t>2017-02-26</a:t>
             </a:fld>
             <a:endParaRPr lang="ko-KR" altLang="en-US"/>
           </a:p>
@@ -1475,7 +1475,7 @@
           <a:p>
             <a:fld id="{C64DB03E-8121-4F0F-9612-3E1A417CD2B1}" type="datetimeFigureOut">
               <a:rPr lang="ko-KR" altLang="en-US" smtClean="0"/>
-              <a:t>2017-02-18</a:t>
+              <a:t>2017-02-26</a:t>
             </a:fld>
             <a:endParaRPr lang="ko-KR" altLang="en-US"/>
           </a:p>
@@ -1931,7 +1931,7 @@
           <a:p>
             <a:fld id="{C64DB03E-8121-4F0F-9612-3E1A417CD2B1}" type="datetimeFigureOut">
               <a:rPr lang="ko-KR" altLang="en-US" smtClean="0"/>
-              <a:t>2017-02-18</a:t>
+              <a:t>2017-02-26</a:t>
             </a:fld>
             <a:endParaRPr lang="ko-KR" altLang="en-US"/>
           </a:p>
@@ -2054,7 +2054,7 @@
           <a:p>
             <a:fld id="{C64DB03E-8121-4F0F-9612-3E1A417CD2B1}" type="datetimeFigureOut">
               <a:rPr lang="ko-KR" altLang="en-US" smtClean="0"/>
-              <a:t>2017-02-18</a:t>
+              <a:t>2017-02-26</a:t>
             </a:fld>
             <a:endParaRPr lang="ko-KR" altLang="en-US"/>
           </a:p>
@@ -2154,7 +2154,7 @@
           <a:p>
             <a:fld id="{C64DB03E-8121-4F0F-9612-3E1A417CD2B1}" type="datetimeFigureOut">
               <a:rPr lang="ko-KR" altLang="en-US" smtClean="0"/>
-              <a:t>2017-02-18</a:t>
+              <a:t>2017-02-26</a:t>
             </a:fld>
             <a:endParaRPr lang="ko-KR" altLang="en-US"/>
           </a:p>
@@ -2446,7 +2446,7 @@
           <a:p>
             <a:fld id="{C64DB03E-8121-4F0F-9612-3E1A417CD2B1}" type="datetimeFigureOut">
               <a:rPr lang="ko-KR" altLang="en-US" smtClean="0"/>
-              <a:t>2017-02-18</a:t>
+              <a:t>2017-02-26</a:t>
             </a:fld>
             <a:endParaRPr lang="ko-KR" altLang="en-US"/>
           </a:p>
@@ -2771,7 +2771,7 @@
           <a:p>
             <a:fld id="{C64DB03E-8121-4F0F-9612-3E1A417CD2B1}" type="datetimeFigureOut">
               <a:rPr lang="ko-KR" altLang="en-US" smtClean="0"/>
-              <a:t>2017-02-18</a:t>
+              <a:t>2017-02-26</a:t>
             </a:fld>
             <a:endParaRPr lang="ko-KR" altLang="en-US"/>
           </a:p>
@@ -3025,7 +3025,7 @@
           <a:p>
             <a:fld id="{C64DB03E-8121-4F0F-9612-3E1A417CD2B1}" type="datetimeFigureOut">
               <a:rPr lang="ko-KR" altLang="en-US" smtClean="0"/>
-              <a:t>2017-02-18</a:t>
+              <a:t>2017-02-26</a:t>
             </a:fld>
             <a:endParaRPr lang="ko-KR" altLang="en-US"/>
           </a:p>
@@ -14315,1633 +14315,508 @@
           </p:txBody>
         </p:sp>
       </p:grpSp>
-      <p:grpSp>
-        <p:nvGrpSpPr>
-          <p:cNvPr id="18" name="그룹 17"/>
-          <p:cNvGrpSpPr/>
+      <p:sp>
+        <p:nvSpPr>
+          <p:cNvPr id="31" name="순서도: 처리 30"/>
+          <p:cNvSpPr/>
           <p:nvPr/>
-        </p:nvGrpSpPr>
-        <p:grpSpPr>
+        </p:nvSpPr>
+        <p:spPr>
           <a:xfrm>
             <a:off x="3634643" y="3337836"/>
             <a:ext cx="4262222" cy="2855689"/>
-            <a:chOff x="736846" y="3547727"/>
-            <a:chExt cx="4262222" cy="2855689"/>
           </a:xfrm>
-        </p:grpSpPr>
-        <p:sp>
-          <p:nvSpPr>
-            <p:cNvPr id="31" name="순서도: 처리 30"/>
-            <p:cNvSpPr/>
-            <p:nvPr/>
-          </p:nvSpPr>
-          <p:spPr>
-            <a:xfrm>
-              <a:off x="736846" y="3547727"/>
-              <a:ext cx="4262222" cy="2855689"/>
-            </a:xfrm>
-            <a:prstGeom prst="flowChartProcess">
-              <a:avLst/>
-            </a:prstGeom>
+          <a:prstGeom prst="flowChartProcess">
+            <a:avLst/>
+          </a:prstGeom>
+          <a:solidFill>
+            <a:srgbClr val="4472C4">
+              <a:lumMod val="50000"/>
+            </a:srgbClr>
+          </a:solidFill>
+          <a:ln>
             <a:solidFill>
-              <a:srgbClr val="4472C4">
-                <a:lumMod val="50000"/>
+              <a:sysClr val="windowText" lastClr="000000"/>
+            </a:solidFill>
+          </a:ln>
+          <a:effectLst>
+            <a:outerShdw blurRad="57150" dist="19050" dir="5400000" algn="ctr" rotWithShape="0">
+              <a:srgbClr val="000000">
+                <a:alpha val="63000"/>
               </a:srgbClr>
+            </a:outerShdw>
+          </a:effectLst>
+        </p:spPr>
+        <p:txBody>
+          <a:bodyPr rtlCol="0" anchor="ctr"/>
+          <a:lstStyle/>
+          <a:p>
+            <a:pPr marL="0" marR="0" lvl="0" indent="0" algn="ctr" defTabSz="914400" eaLnBrk="1" fontAlgn="auto" latinLnBrk="1" hangingPunct="1">
+              <a:lnSpc>
+                <a:spcPct val="100000"/>
+              </a:lnSpc>
+              <a:spcBef>
+                <a:spcPts val="0"/>
+              </a:spcBef>
+              <a:spcAft>
+                <a:spcPts val="0"/>
+              </a:spcAft>
+              <a:buClrTx/>
+              <a:buSzTx/>
+              <a:buFontTx/>
+              <a:buNone/>
+              <a:tabLst/>
+              <a:defRPr/>
+            </a:pPr>
+            <a:endParaRPr kumimoji="0" lang="ko-KR" altLang="en-US" sz="1800" b="0" i="0" u="none" strike="noStrike" kern="0" cap="none" spc="0" normalizeH="0" baseline="0" noProof="0">
+              <a:ln>
+                <a:noFill/>
+              </a:ln>
+              <a:solidFill>
+                <a:prstClr val="white"/>
+              </a:solidFill>
+              <a:effectLst/>
+              <a:uLnTx/>
+              <a:uFillTx/>
+              <a:latin typeface="맑은 고딕" panose="020F0502020204030204"/>
+              <a:ea typeface="맑은 고딕" panose="020B0503020000020004" pitchFamily="50" charset="-127"/>
+              <a:cs typeface="+mn-cs"/>
+            </a:endParaRPr>
+          </a:p>
+        </p:txBody>
+      </p:sp>
+      <p:sp>
+        <p:nvSpPr>
+          <p:cNvPr id="15" name="TextBox 14"/>
+          <p:cNvSpPr txBox="1"/>
+          <p:nvPr/>
+        </p:nvSpPr>
+        <p:spPr>
+          <a:xfrm>
+            <a:off x="5009627" y="3395213"/>
+            <a:ext cx="1762021" cy="807913"/>
+          </a:xfrm>
+          <a:prstGeom prst="rect">
+            <a:avLst/>
+          </a:prstGeom>
+          <a:noFill/>
+        </p:spPr>
+        <p:txBody>
+          <a:bodyPr wrap="none" rtlCol="0">
+            <a:spAutoFit/>
+          </a:bodyPr>
+          <a:lstStyle/>
+          <a:p>
+            <a:r>
+              <a:rPr lang="ko-KR" altLang="en-US" sz="1050" dirty="0"/>
+              <a:t>로봇 청소부 부서</a:t>
+            </a:r>
+            <a:endParaRPr lang="en-US" altLang="ko-KR" sz="1050" dirty="0"/>
+          </a:p>
+          <a:p>
+            <a:r>
+              <a:rPr lang="ko-KR" altLang="en-US" sz="3600" dirty="0" err="1"/>
+              <a:t>퓨우웅</a:t>
+            </a:r>
+            <a:r>
+              <a:rPr lang="ko-KR" altLang="en-US" dirty="0"/>
+              <a:t> </a:t>
+            </a:r>
+            <a:r>
+              <a:rPr lang="ko-KR" altLang="en-US" sz="1000" dirty="0"/>
+              <a:t>팀</a:t>
+            </a:r>
+            <a:endParaRPr lang="en-US" altLang="ko-KR" dirty="0"/>
+          </a:p>
+        </p:txBody>
+      </p:sp>
+      <p:sp>
+        <p:nvSpPr>
+          <p:cNvPr id="16" name="순서도: 수행의 시작/종료 15"/>
+          <p:cNvSpPr/>
+          <p:nvPr/>
+        </p:nvSpPr>
+        <p:spPr>
+          <a:xfrm>
+            <a:off x="6803540" y="3395213"/>
+            <a:ext cx="1020857" cy="247805"/>
+          </a:xfrm>
+          <a:prstGeom prst="flowChartTerminator">
+            <a:avLst/>
+          </a:prstGeom>
+          <a:solidFill>
+            <a:srgbClr val="00B0F0"/>
+          </a:solidFill>
+          <a:ln>
+            <a:solidFill>
+              <a:schemeClr val="bg1"/>
             </a:solidFill>
-            <a:ln>
-              <a:solidFill>
-                <a:sysClr val="windowText" lastClr="000000"/>
-              </a:solidFill>
-            </a:ln>
-            <a:effectLst>
-              <a:outerShdw blurRad="57150" dist="19050" dir="5400000" algn="ctr" rotWithShape="0">
-                <a:srgbClr val="000000">
-                  <a:alpha val="63000"/>
-                </a:srgbClr>
-              </a:outerShdw>
-            </a:effectLst>
-          </p:spPr>
-          <p:txBody>
-            <a:bodyPr rtlCol="0" anchor="ctr"/>
-            <a:lstStyle/>
-            <a:p>
-              <a:pPr marL="0" marR="0" lvl="0" indent="0" algn="ctr" defTabSz="914400" eaLnBrk="1" fontAlgn="auto" latinLnBrk="1" hangingPunct="1">
-                <a:lnSpc>
-                  <a:spcPct val="100000"/>
-                </a:lnSpc>
-                <a:spcBef>
-                  <a:spcPts val="0"/>
-                </a:spcBef>
-                <a:spcAft>
-                  <a:spcPts val="0"/>
-                </a:spcAft>
-                <a:buClrTx/>
-                <a:buSzTx/>
-                <a:buFontTx/>
-                <a:buNone/>
-                <a:tabLst/>
-                <a:defRPr/>
-              </a:pPr>
-              <a:endParaRPr kumimoji="0" lang="ko-KR" altLang="en-US" sz="1800" b="0" i="0" u="none" strike="noStrike" kern="0" cap="none" spc="0" normalizeH="0" baseline="0" noProof="0">
-                <a:ln>
-                  <a:noFill/>
-                </a:ln>
-                <a:solidFill>
-                  <a:prstClr val="white"/>
-                </a:solidFill>
-                <a:effectLst/>
-                <a:uLnTx/>
-                <a:uFillTx/>
-                <a:latin typeface="맑은 고딕" panose="020F0502020204030204"/>
-                <a:ea typeface="맑은 고딕" panose="020B0503020000020004" pitchFamily="50" charset="-127"/>
-                <a:cs typeface="+mn-cs"/>
-              </a:endParaRPr>
-            </a:p>
-          </p:txBody>
-        </p:sp>
-        <p:grpSp>
-          <p:nvGrpSpPr>
-            <p:cNvPr id="9" name="그룹 8"/>
-            <p:cNvGrpSpPr/>
-            <p:nvPr/>
-          </p:nvGrpSpPr>
-          <p:grpSpPr>
-            <a:xfrm>
-              <a:off x="1081351" y="4474345"/>
-              <a:ext cx="667956" cy="1305020"/>
-              <a:chOff x="1788850" y="4296792"/>
-              <a:chExt cx="667956" cy="1305020"/>
-            </a:xfrm>
-          </p:grpSpPr>
-          <p:sp>
-            <p:nvSpPr>
-              <p:cNvPr id="8" name="순서도: 처리 7"/>
-              <p:cNvSpPr/>
-              <p:nvPr/>
-            </p:nvSpPr>
-            <p:spPr>
-              <a:xfrm>
-                <a:off x="1788850" y="4296792"/>
-                <a:ext cx="667956" cy="845779"/>
-              </a:xfrm>
-              <a:prstGeom prst="flowChartProcess">
-                <a:avLst/>
-              </a:prstGeom>
-              <a:solidFill>
-                <a:schemeClr val="accent1">
+          </a:ln>
+        </p:spPr>
+        <p:style>
+          <a:lnRef idx="2">
+            <a:schemeClr val="accent1">
+              <a:shade val="50000"/>
+            </a:schemeClr>
+          </a:lnRef>
+          <a:fillRef idx="1">
+            <a:schemeClr val="accent1"/>
+          </a:fillRef>
+          <a:effectRef idx="0">
+            <a:schemeClr val="accent1"/>
+          </a:effectRef>
+          <a:fontRef idx="minor">
+            <a:schemeClr val="lt1"/>
+          </a:fontRef>
+        </p:style>
+        <p:txBody>
+          <a:bodyPr rtlCol="0" anchor="ctr"/>
+          <a:lstStyle/>
+          <a:p>
+            <a:pPr algn="ctr"/>
+            <a:r>
+              <a:rPr lang="ko-KR" altLang="en-US" sz="1000" b="1" dirty="0"/>
+              <a:t>코인</a:t>
+            </a:r>
+          </a:p>
+        </p:txBody>
+      </p:sp>
+      <p:sp>
+        <p:nvSpPr>
+          <p:cNvPr id="17" name="사각형: 둥근 모서리 16"/>
+          <p:cNvSpPr/>
+          <p:nvPr/>
+        </p:nvSpPr>
+        <p:spPr>
+          <a:xfrm>
+            <a:off x="3762636" y="5791719"/>
+            <a:ext cx="761728" cy="319596"/>
+          </a:xfrm>
+          <a:prstGeom prst="roundRect">
+            <a:avLst/>
+          </a:prstGeom>
+          <a:gradFill flip="none" rotWithShape="1">
+            <a:gsLst>
+              <a:gs pos="0">
+                <a:schemeClr val="accent2">
+                  <a:lumMod val="67000"/>
+                </a:schemeClr>
+              </a:gs>
+              <a:gs pos="48000">
+                <a:schemeClr val="accent2">
+                  <a:lumMod val="97000"/>
+                  <a:lumOff val="3000"/>
+                </a:schemeClr>
+              </a:gs>
+              <a:gs pos="100000">
+                <a:schemeClr val="accent2">
                   <a:lumMod val="60000"/>
                   <a:lumOff val="40000"/>
                 </a:schemeClr>
-              </a:solidFill>
-            </p:spPr>
-            <p:style>
-              <a:lnRef idx="2">
-                <a:schemeClr val="accent1">
-                  <a:shade val="50000"/>
+              </a:gs>
+            </a:gsLst>
+            <a:lin ang="16200000" scaled="1"/>
+            <a:tileRect/>
+          </a:gradFill>
+          <a:ln>
+            <a:noFill/>
+          </a:ln>
+        </p:spPr>
+        <p:style>
+          <a:lnRef idx="0">
+            <a:scrgbClr r="0" g="0" b="0"/>
+          </a:lnRef>
+          <a:fillRef idx="0">
+            <a:scrgbClr r="0" g="0" b="0"/>
+          </a:fillRef>
+          <a:effectRef idx="0">
+            <a:scrgbClr r="0" g="0" b="0"/>
+          </a:effectRef>
+          <a:fontRef idx="minor">
+            <a:schemeClr val="lt1"/>
+          </a:fontRef>
+        </p:style>
+        <p:txBody>
+          <a:bodyPr rtlCol="0" anchor="ctr"/>
+          <a:lstStyle/>
+          <a:p>
+            <a:pPr algn="ctr"/>
+            <a:r>
+              <a:rPr lang="ko-KR" altLang="en-US" sz="1000" dirty="0"/>
+              <a:t>옵션</a:t>
+            </a:r>
+          </a:p>
+        </p:txBody>
+      </p:sp>
+      <p:sp>
+        <p:nvSpPr>
+          <p:cNvPr id="87" name="사각형: 둥근 모서리 86"/>
+          <p:cNvSpPr/>
+          <p:nvPr/>
+        </p:nvSpPr>
+        <p:spPr>
+          <a:xfrm>
+            <a:off x="4585298" y="5791719"/>
+            <a:ext cx="761728" cy="319596"/>
+          </a:xfrm>
+          <a:prstGeom prst="roundRect">
+            <a:avLst/>
+          </a:prstGeom>
+          <a:gradFill flip="none" rotWithShape="1">
+            <a:gsLst>
+              <a:gs pos="0">
+                <a:schemeClr val="accent2">
+                  <a:lumMod val="67000"/>
                 </a:schemeClr>
-              </a:lnRef>
-              <a:fillRef idx="1">
-                <a:schemeClr val="accent1"/>
-              </a:fillRef>
-              <a:effectRef idx="0">
-                <a:schemeClr val="accent1"/>
-              </a:effectRef>
-              <a:fontRef idx="minor">
-                <a:schemeClr val="lt1"/>
-              </a:fontRef>
-            </p:style>
-            <p:txBody>
-              <a:bodyPr rtlCol="0" anchor="ctr"/>
-              <a:lstStyle/>
-              <a:p>
-                <a:pPr algn="ctr"/>
-                <a:endParaRPr lang="ko-KR" altLang="en-US"/>
-              </a:p>
-            </p:txBody>
-          </p:sp>
-          <p:sp>
-            <p:nvSpPr>
-              <p:cNvPr id="41" name="순서도: 처리 40"/>
-              <p:cNvSpPr/>
-              <p:nvPr/>
-            </p:nvSpPr>
-            <p:spPr>
-              <a:xfrm>
-                <a:off x="1788850" y="5178922"/>
-                <a:ext cx="667956" cy="422890"/>
-              </a:xfrm>
-              <a:prstGeom prst="flowChartProcess">
-                <a:avLst/>
-              </a:prstGeom>
-              <a:solidFill>
-                <a:schemeClr val="accent1">
+              </a:gs>
+              <a:gs pos="48000">
+                <a:schemeClr val="accent2">
+                  <a:lumMod val="97000"/>
+                  <a:lumOff val="3000"/>
+                </a:schemeClr>
+              </a:gs>
+              <a:gs pos="100000">
+                <a:schemeClr val="accent2">
                   <a:lumMod val="60000"/>
                   <a:lumOff val="40000"/>
                 </a:schemeClr>
-              </a:solidFill>
-            </p:spPr>
-            <p:style>
-              <a:lnRef idx="2">
-                <a:schemeClr val="accent1">
-                  <a:shade val="50000"/>
+              </a:gs>
+            </a:gsLst>
+            <a:lin ang="16200000" scaled="1"/>
+            <a:tileRect/>
+          </a:gradFill>
+          <a:ln>
+            <a:noFill/>
+          </a:ln>
+        </p:spPr>
+        <p:style>
+          <a:lnRef idx="0">
+            <a:scrgbClr r="0" g="0" b="0"/>
+          </a:lnRef>
+          <a:fillRef idx="0">
+            <a:scrgbClr r="0" g="0" b="0"/>
+          </a:fillRef>
+          <a:effectRef idx="0">
+            <a:scrgbClr r="0" g="0" b="0"/>
+          </a:effectRef>
+          <a:fontRef idx="minor">
+            <a:schemeClr val="lt1"/>
+          </a:fontRef>
+        </p:style>
+        <p:txBody>
+          <a:bodyPr rtlCol="0" anchor="ctr"/>
+          <a:lstStyle/>
+          <a:p>
+            <a:pPr algn="ctr"/>
+            <a:r>
+              <a:rPr lang="ko-KR" altLang="en-US" sz="1000" dirty="0"/>
+              <a:t>헬멧</a:t>
+            </a:r>
+          </a:p>
+        </p:txBody>
+      </p:sp>
+      <p:sp>
+        <p:nvSpPr>
+          <p:cNvPr id="88" name="사각형: 둥근 모서리 87"/>
+          <p:cNvSpPr/>
+          <p:nvPr/>
+        </p:nvSpPr>
+        <p:spPr>
+          <a:xfrm>
+            <a:off x="5407960" y="5791719"/>
+            <a:ext cx="761728" cy="319596"/>
+          </a:xfrm>
+          <a:prstGeom prst="roundRect">
+            <a:avLst/>
+          </a:prstGeom>
+          <a:gradFill flip="none" rotWithShape="1">
+            <a:gsLst>
+              <a:gs pos="0">
+                <a:schemeClr val="accent2">
+                  <a:lumMod val="67000"/>
                 </a:schemeClr>
-              </a:lnRef>
-              <a:fillRef idx="1">
-                <a:schemeClr val="accent1"/>
-              </a:fillRef>
-              <a:effectRef idx="0">
-                <a:schemeClr val="accent1"/>
-              </a:effectRef>
-              <a:fontRef idx="minor">
-                <a:schemeClr val="lt1"/>
-              </a:fontRef>
-            </p:style>
-            <p:txBody>
-              <a:bodyPr rtlCol="0" anchor="ctr"/>
-              <a:lstStyle/>
-              <a:p>
-                <a:pPr algn="ctr"/>
-                <a:endParaRPr lang="ko-KR" altLang="en-US"/>
-              </a:p>
-            </p:txBody>
-          </p:sp>
-        </p:grpSp>
-        <p:grpSp>
-          <p:nvGrpSpPr>
-            <p:cNvPr id="5" name="그룹 4"/>
-            <p:cNvGrpSpPr/>
-            <p:nvPr/>
-          </p:nvGrpSpPr>
-          <p:grpSpPr>
-            <a:xfrm>
-              <a:off x="1157875" y="4958299"/>
-              <a:ext cx="514907" cy="821065"/>
-              <a:chOff x="1229555" y="4714044"/>
-              <a:chExt cx="656950" cy="1047565"/>
-            </a:xfrm>
-          </p:grpSpPr>
-          <p:sp>
-            <p:nvSpPr>
-              <p:cNvPr id="3" name="타원 2"/>
-              <p:cNvSpPr/>
-              <p:nvPr/>
-            </p:nvSpPr>
-            <p:spPr>
-              <a:xfrm>
-                <a:off x="1327211" y="4714044"/>
-                <a:ext cx="461639" cy="461639"/>
-              </a:xfrm>
-              <a:prstGeom prst="ellipse">
-                <a:avLst/>
-              </a:prstGeom>
-              <a:solidFill>
-                <a:schemeClr val="tx1"/>
-              </a:solidFill>
-            </p:spPr>
-            <p:style>
-              <a:lnRef idx="2">
-                <a:schemeClr val="accent1">
-                  <a:shade val="50000"/>
+              </a:gs>
+              <a:gs pos="48000">
+                <a:schemeClr val="accent2">
+                  <a:lumMod val="97000"/>
+                  <a:lumOff val="3000"/>
                 </a:schemeClr>
-              </a:lnRef>
-              <a:fillRef idx="1">
-                <a:schemeClr val="accent1"/>
-              </a:fillRef>
-              <a:effectRef idx="0">
-                <a:schemeClr val="accent1"/>
-              </a:effectRef>
-              <a:fontRef idx="minor">
-                <a:schemeClr val="lt1"/>
-              </a:fontRef>
-            </p:style>
-            <p:txBody>
-              <a:bodyPr rtlCol="0" anchor="ctr"/>
-              <a:lstStyle/>
-              <a:p>
-                <a:pPr algn="ctr"/>
-                <a:endParaRPr lang="ko-KR" altLang="en-US"/>
-              </a:p>
-            </p:txBody>
-          </p:sp>
-          <p:sp>
-            <p:nvSpPr>
-              <p:cNvPr id="4" name="순서도: 처리 3"/>
-              <p:cNvSpPr/>
-              <p:nvPr/>
-            </p:nvSpPr>
-            <p:spPr>
-              <a:xfrm>
-                <a:off x="1396013" y="5175683"/>
-                <a:ext cx="324034" cy="372861"/>
-              </a:xfrm>
-              <a:prstGeom prst="flowChartProcess">
-                <a:avLst/>
-              </a:prstGeom>
-              <a:solidFill>
-                <a:schemeClr val="tx1"/>
-              </a:solidFill>
-            </p:spPr>
-            <p:style>
-              <a:lnRef idx="2">
-                <a:schemeClr val="accent1">
-                  <a:shade val="50000"/>
-                </a:schemeClr>
-              </a:lnRef>
-              <a:fillRef idx="1">
-                <a:schemeClr val="accent1"/>
-              </a:fillRef>
-              <a:effectRef idx="0">
-                <a:schemeClr val="accent1"/>
-              </a:effectRef>
-              <a:fontRef idx="minor">
-                <a:schemeClr val="lt1"/>
-              </a:fontRef>
-            </p:style>
-            <p:txBody>
-              <a:bodyPr rtlCol="0" anchor="ctr"/>
-              <a:lstStyle/>
-              <a:p>
-                <a:pPr algn="ctr"/>
-                <a:endParaRPr lang="ko-KR" altLang="en-US"/>
-              </a:p>
-            </p:txBody>
-          </p:sp>
-          <p:sp>
-            <p:nvSpPr>
-              <p:cNvPr id="34" name="순서도: 처리 33"/>
-              <p:cNvSpPr/>
-              <p:nvPr/>
-            </p:nvSpPr>
-            <p:spPr>
-              <a:xfrm>
-                <a:off x="1396013" y="5548545"/>
-                <a:ext cx="166458" cy="213064"/>
-              </a:xfrm>
-              <a:prstGeom prst="flowChartProcess">
-                <a:avLst/>
-              </a:prstGeom>
-              <a:solidFill>
-                <a:schemeClr val="tx1"/>
-              </a:solidFill>
-            </p:spPr>
-            <p:style>
-              <a:lnRef idx="2">
-                <a:schemeClr val="accent1">
-                  <a:shade val="50000"/>
-                </a:schemeClr>
-              </a:lnRef>
-              <a:fillRef idx="1">
-                <a:schemeClr val="accent1"/>
-              </a:fillRef>
-              <a:effectRef idx="0">
-                <a:schemeClr val="accent1"/>
-              </a:effectRef>
-              <a:fontRef idx="minor">
-                <a:schemeClr val="lt1"/>
-              </a:fontRef>
-            </p:style>
-            <p:txBody>
-              <a:bodyPr rtlCol="0" anchor="ctr"/>
-              <a:lstStyle/>
-              <a:p>
-                <a:pPr algn="ctr"/>
-                <a:endParaRPr lang="ko-KR" altLang="en-US"/>
-              </a:p>
-            </p:txBody>
-          </p:sp>
-          <p:sp>
-            <p:nvSpPr>
-              <p:cNvPr id="35" name="순서도: 처리 34"/>
-              <p:cNvSpPr/>
-              <p:nvPr/>
-            </p:nvSpPr>
-            <p:spPr>
-              <a:xfrm>
-                <a:off x="1568017" y="5548545"/>
-                <a:ext cx="166458" cy="213064"/>
-              </a:xfrm>
-              <a:prstGeom prst="flowChartProcess">
-                <a:avLst/>
-              </a:prstGeom>
-              <a:solidFill>
-                <a:schemeClr val="tx1"/>
-              </a:solidFill>
-            </p:spPr>
-            <p:style>
-              <a:lnRef idx="2">
-                <a:schemeClr val="accent1">
-                  <a:shade val="50000"/>
-                </a:schemeClr>
-              </a:lnRef>
-              <a:fillRef idx="1">
-                <a:schemeClr val="accent1"/>
-              </a:fillRef>
-              <a:effectRef idx="0">
-                <a:schemeClr val="accent1"/>
-              </a:effectRef>
-              <a:fontRef idx="minor">
-                <a:schemeClr val="lt1"/>
-              </a:fontRef>
-            </p:style>
-            <p:txBody>
-              <a:bodyPr rtlCol="0" anchor="ctr"/>
-              <a:lstStyle/>
-              <a:p>
-                <a:pPr algn="ctr"/>
-                <a:endParaRPr lang="ko-KR" altLang="en-US"/>
-              </a:p>
-            </p:txBody>
-          </p:sp>
-          <p:sp>
-            <p:nvSpPr>
-              <p:cNvPr id="36" name="순서도: 처리 35"/>
-              <p:cNvSpPr/>
-              <p:nvPr/>
-            </p:nvSpPr>
-            <p:spPr>
-              <a:xfrm>
-                <a:off x="1734475" y="5175682"/>
-                <a:ext cx="152030" cy="372862"/>
-              </a:xfrm>
-              <a:prstGeom prst="flowChartProcess">
-                <a:avLst/>
-              </a:prstGeom>
-              <a:solidFill>
-                <a:schemeClr val="tx1"/>
-              </a:solidFill>
-            </p:spPr>
-            <p:style>
-              <a:lnRef idx="2">
-                <a:schemeClr val="accent1">
-                  <a:shade val="50000"/>
-                </a:schemeClr>
-              </a:lnRef>
-              <a:fillRef idx="1">
-                <a:schemeClr val="accent1"/>
-              </a:fillRef>
-              <a:effectRef idx="0">
-                <a:schemeClr val="accent1"/>
-              </a:effectRef>
-              <a:fontRef idx="minor">
-                <a:schemeClr val="lt1"/>
-              </a:fontRef>
-            </p:style>
-            <p:txBody>
-              <a:bodyPr rtlCol="0" anchor="ctr"/>
-              <a:lstStyle/>
-              <a:p>
-                <a:pPr algn="ctr"/>
-                <a:endParaRPr lang="ko-KR" altLang="en-US"/>
-              </a:p>
-            </p:txBody>
-          </p:sp>
-          <p:sp>
-            <p:nvSpPr>
-              <p:cNvPr id="37" name="순서도: 처리 36"/>
-              <p:cNvSpPr/>
-              <p:nvPr/>
-            </p:nvSpPr>
-            <p:spPr>
-              <a:xfrm>
-                <a:off x="1229555" y="5175682"/>
-                <a:ext cx="152030" cy="372862"/>
-              </a:xfrm>
-              <a:prstGeom prst="flowChartProcess">
-                <a:avLst/>
-              </a:prstGeom>
-              <a:solidFill>
-                <a:schemeClr val="tx1"/>
-              </a:solidFill>
-            </p:spPr>
-            <p:style>
-              <a:lnRef idx="2">
-                <a:schemeClr val="accent1">
-                  <a:shade val="50000"/>
-                </a:schemeClr>
-              </a:lnRef>
-              <a:fillRef idx="1">
-                <a:schemeClr val="accent1"/>
-              </a:fillRef>
-              <a:effectRef idx="0">
-                <a:schemeClr val="accent1"/>
-              </a:effectRef>
-              <a:fontRef idx="minor">
-                <a:schemeClr val="lt1"/>
-              </a:fontRef>
-            </p:style>
-            <p:txBody>
-              <a:bodyPr rtlCol="0" anchor="ctr"/>
-              <a:lstStyle/>
-              <a:p>
-                <a:pPr algn="ctr"/>
-                <a:endParaRPr lang="ko-KR" altLang="en-US"/>
-              </a:p>
-            </p:txBody>
-          </p:sp>
-        </p:grpSp>
-        <p:grpSp>
-          <p:nvGrpSpPr>
-            <p:cNvPr id="43" name="그룹 42"/>
-            <p:cNvGrpSpPr/>
-            <p:nvPr/>
-          </p:nvGrpSpPr>
-          <p:grpSpPr>
-            <a:xfrm>
-              <a:off x="3062472" y="4474345"/>
-              <a:ext cx="667956" cy="1305020"/>
-              <a:chOff x="1788850" y="4296792"/>
-              <a:chExt cx="667956" cy="1305020"/>
-            </a:xfrm>
-          </p:grpSpPr>
-          <p:sp>
-            <p:nvSpPr>
-              <p:cNvPr id="44" name="순서도: 처리 43"/>
-              <p:cNvSpPr/>
-              <p:nvPr/>
-            </p:nvSpPr>
-            <p:spPr>
-              <a:xfrm>
-                <a:off x="1788850" y="4296792"/>
-                <a:ext cx="667956" cy="845779"/>
-              </a:xfrm>
-              <a:prstGeom prst="flowChartProcess">
-                <a:avLst/>
-              </a:prstGeom>
-            </p:spPr>
-            <p:style>
-              <a:lnRef idx="1">
-                <a:schemeClr val="accent1"/>
-              </a:lnRef>
-              <a:fillRef idx="2">
-                <a:schemeClr val="accent1"/>
-              </a:fillRef>
-              <a:effectRef idx="1">
-                <a:schemeClr val="accent1"/>
-              </a:effectRef>
-              <a:fontRef idx="minor">
-                <a:schemeClr val="dk1"/>
-              </a:fontRef>
-            </p:style>
-            <p:txBody>
-              <a:bodyPr rtlCol="0" anchor="ctr"/>
-              <a:lstStyle/>
-              <a:p>
-                <a:pPr algn="ctr"/>
-                <a:endParaRPr lang="ko-KR" altLang="en-US"/>
-              </a:p>
-            </p:txBody>
-          </p:sp>
-          <p:sp>
-            <p:nvSpPr>
-              <p:cNvPr id="45" name="순서도: 처리 44"/>
-              <p:cNvSpPr/>
-              <p:nvPr/>
-            </p:nvSpPr>
-            <p:spPr>
-              <a:xfrm>
-                <a:off x="1788850" y="5178922"/>
-                <a:ext cx="667956" cy="422890"/>
-              </a:xfrm>
-              <a:prstGeom prst="flowChartProcess">
-                <a:avLst/>
-              </a:prstGeom>
-              <a:solidFill>
-                <a:schemeClr val="accent1">
+              </a:gs>
+              <a:gs pos="100000">
+                <a:schemeClr val="accent2">
                   <a:lumMod val="60000"/>
                   <a:lumOff val="40000"/>
                 </a:schemeClr>
-              </a:solidFill>
-            </p:spPr>
-            <p:style>
-              <a:lnRef idx="2">
-                <a:schemeClr val="accent1">
-                  <a:shade val="50000"/>
+              </a:gs>
+            </a:gsLst>
+            <a:lin ang="16200000" scaled="1"/>
+            <a:tileRect/>
+          </a:gradFill>
+          <a:ln>
+            <a:noFill/>
+          </a:ln>
+        </p:spPr>
+        <p:style>
+          <a:lnRef idx="0">
+            <a:scrgbClr r="0" g="0" b="0"/>
+          </a:lnRef>
+          <a:fillRef idx="0">
+            <a:scrgbClr r="0" g="0" b="0"/>
+          </a:fillRef>
+          <a:effectRef idx="0">
+            <a:scrgbClr r="0" g="0" b="0"/>
+          </a:effectRef>
+          <a:fontRef idx="minor">
+            <a:schemeClr val="lt1"/>
+          </a:fontRef>
+        </p:style>
+        <p:txBody>
+          <a:bodyPr rtlCol="0" anchor="ctr"/>
+          <a:lstStyle/>
+          <a:p>
+            <a:pPr algn="ctr"/>
+            <a:r>
+              <a:rPr lang="ko-KR" altLang="en-US" sz="1000" dirty="0"/>
+              <a:t>무기</a:t>
+            </a:r>
+          </a:p>
+        </p:txBody>
+      </p:sp>
+      <p:sp>
+        <p:nvSpPr>
+          <p:cNvPr id="89" name="사각형: 둥근 모서리 88"/>
+          <p:cNvSpPr/>
+          <p:nvPr/>
+        </p:nvSpPr>
+        <p:spPr>
+          <a:xfrm>
+            <a:off x="6230622" y="5791719"/>
+            <a:ext cx="761728" cy="319596"/>
+          </a:xfrm>
+          <a:prstGeom prst="roundRect">
+            <a:avLst/>
+          </a:prstGeom>
+          <a:gradFill flip="none" rotWithShape="1">
+            <a:gsLst>
+              <a:gs pos="0">
+                <a:schemeClr val="accent2">
+                  <a:lumMod val="67000"/>
                 </a:schemeClr>
-              </a:lnRef>
-              <a:fillRef idx="1">
-                <a:schemeClr val="accent1"/>
-              </a:fillRef>
-              <a:effectRef idx="0">
-                <a:schemeClr val="accent1"/>
-              </a:effectRef>
-              <a:fontRef idx="minor">
-                <a:schemeClr val="lt1"/>
-              </a:fontRef>
-            </p:style>
-            <p:txBody>
-              <a:bodyPr rtlCol="0" anchor="ctr"/>
-              <a:lstStyle/>
-              <a:p>
-                <a:pPr algn="ctr"/>
-                <a:endParaRPr lang="ko-KR" altLang="en-US"/>
-              </a:p>
-            </p:txBody>
-          </p:sp>
-        </p:grpSp>
-        <p:sp>
-          <p:nvSpPr>
-            <p:cNvPr id="10" name="순서도: 자기 디스크 9"/>
-            <p:cNvSpPr/>
-            <p:nvPr/>
-          </p:nvSpPr>
-          <p:spPr>
-            <a:xfrm>
-              <a:off x="1788850" y="5466245"/>
-              <a:ext cx="1073974" cy="313119"/>
-            </a:xfrm>
-            <a:prstGeom prst="flowChartMagneticDisk">
-              <a:avLst/>
-            </a:prstGeom>
-          </p:spPr>
-          <p:style>
-            <a:lnRef idx="2">
-              <a:schemeClr val="accent1">
-                <a:shade val="50000"/>
-              </a:schemeClr>
-            </a:lnRef>
-            <a:fillRef idx="1">
-              <a:schemeClr val="accent1"/>
-            </a:fillRef>
-            <a:effectRef idx="0">
-              <a:schemeClr val="accent1"/>
-            </a:effectRef>
-            <a:fontRef idx="minor">
-              <a:schemeClr val="lt1"/>
-            </a:fontRef>
-          </p:style>
-          <p:txBody>
-            <a:bodyPr rtlCol="0" anchor="ctr"/>
-            <a:lstStyle/>
-            <a:p>
-              <a:pPr algn="ctr"/>
-              <a:endParaRPr lang="ko-KR" altLang="en-US"/>
-            </a:p>
-          </p:txBody>
-        </p:sp>
-        <p:sp>
-          <p:nvSpPr>
-            <p:cNvPr id="47" name="순서도: 자기 디스크 46"/>
-            <p:cNvSpPr/>
-            <p:nvPr/>
-          </p:nvSpPr>
-          <p:spPr>
-            <a:xfrm>
-              <a:off x="3852626" y="5466245"/>
-              <a:ext cx="1073974" cy="313119"/>
-            </a:xfrm>
-            <a:prstGeom prst="flowChartMagneticDisk">
-              <a:avLst/>
-            </a:prstGeom>
-          </p:spPr>
-          <p:style>
-            <a:lnRef idx="2">
-              <a:schemeClr val="accent1">
-                <a:shade val="50000"/>
-              </a:schemeClr>
-            </a:lnRef>
-            <a:fillRef idx="1">
-              <a:schemeClr val="accent1"/>
-            </a:fillRef>
-            <a:effectRef idx="0">
-              <a:schemeClr val="accent1"/>
-            </a:effectRef>
-            <a:fontRef idx="minor">
-              <a:schemeClr val="lt1"/>
-            </a:fontRef>
-          </p:style>
-          <p:txBody>
-            <a:bodyPr rtlCol="0" anchor="ctr"/>
-            <a:lstStyle/>
-            <a:p>
-              <a:pPr algn="ctr"/>
-              <a:endParaRPr lang="ko-KR" altLang="en-US"/>
-            </a:p>
-          </p:txBody>
-        </p:sp>
-        <p:grpSp>
-          <p:nvGrpSpPr>
-            <p:cNvPr id="48" name="그룹 47"/>
-            <p:cNvGrpSpPr/>
-            <p:nvPr/>
-          </p:nvGrpSpPr>
-          <p:grpSpPr>
-            <a:xfrm>
-              <a:off x="4075562" y="4868202"/>
-              <a:ext cx="638480" cy="699716"/>
-              <a:chOff x="1229555" y="5175682"/>
-              <a:chExt cx="656950" cy="585927"/>
-            </a:xfrm>
-          </p:grpSpPr>
-          <p:sp>
-            <p:nvSpPr>
-              <p:cNvPr id="50" name="순서도: 처리 49"/>
-              <p:cNvSpPr/>
-              <p:nvPr/>
-            </p:nvSpPr>
-            <p:spPr>
-              <a:xfrm>
-                <a:off x="1396013" y="5175683"/>
-                <a:ext cx="324034" cy="372861"/>
-              </a:xfrm>
-              <a:prstGeom prst="flowChartProcess">
-                <a:avLst/>
-              </a:prstGeom>
-              <a:solidFill>
-                <a:schemeClr val="tx1"/>
-              </a:solidFill>
-            </p:spPr>
-            <p:style>
-              <a:lnRef idx="2">
-                <a:schemeClr val="accent1">
-                  <a:shade val="50000"/>
+              </a:gs>
+              <a:gs pos="48000">
+                <a:schemeClr val="accent2">
+                  <a:lumMod val="97000"/>
+                  <a:lumOff val="3000"/>
                 </a:schemeClr>
-              </a:lnRef>
-              <a:fillRef idx="1">
-                <a:schemeClr val="accent1"/>
-              </a:fillRef>
-              <a:effectRef idx="0">
-                <a:schemeClr val="accent1"/>
-              </a:effectRef>
-              <a:fontRef idx="minor">
-                <a:schemeClr val="lt1"/>
-              </a:fontRef>
-            </p:style>
-            <p:txBody>
-              <a:bodyPr rtlCol="0" anchor="ctr"/>
-              <a:lstStyle/>
-              <a:p>
-                <a:pPr algn="ctr"/>
-                <a:endParaRPr lang="ko-KR" altLang="en-US"/>
-              </a:p>
-            </p:txBody>
-          </p:sp>
-          <p:sp>
-            <p:nvSpPr>
-              <p:cNvPr id="51" name="순서도: 처리 50"/>
-              <p:cNvSpPr/>
-              <p:nvPr/>
-            </p:nvSpPr>
-            <p:spPr>
-              <a:xfrm>
-                <a:off x="1396013" y="5548545"/>
-                <a:ext cx="166458" cy="213064"/>
-              </a:xfrm>
-              <a:prstGeom prst="flowChartProcess">
-                <a:avLst/>
-              </a:prstGeom>
-              <a:solidFill>
-                <a:schemeClr val="tx1"/>
-              </a:solidFill>
-            </p:spPr>
-            <p:style>
-              <a:lnRef idx="2">
-                <a:schemeClr val="accent1">
-                  <a:shade val="50000"/>
+              </a:gs>
+              <a:gs pos="100000">
+                <a:schemeClr val="accent2">
+                  <a:lumMod val="60000"/>
+                  <a:lumOff val="40000"/>
                 </a:schemeClr>
-              </a:lnRef>
-              <a:fillRef idx="1">
-                <a:schemeClr val="accent1"/>
-              </a:fillRef>
-              <a:effectRef idx="0">
-                <a:schemeClr val="accent1"/>
-              </a:effectRef>
-              <a:fontRef idx="minor">
-                <a:schemeClr val="lt1"/>
-              </a:fontRef>
-            </p:style>
-            <p:txBody>
-              <a:bodyPr rtlCol="0" anchor="ctr"/>
-              <a:lstStyle/>
-              <a:p>
-                <a:pPr algn="ctr"/>
-                <a:endParaRPr lang="ko-KR" altLang="en-US"/>
-              </a:p>
-            </p:txBody>
-          </p:sp>
-          <p:sp>
-            <p:nvSpPr>
-              <p:cNvPr id="52" name="순서도: 처리 51"/>
-              <p:cNvSpPr/>
-              <p:nvPr/>
-            </p:nvSpPr>
-            <p:spPr>
-              <a:xfrm>
-                <a:off x="1568017" y="5548545"/>
-                <a:ext cx="166458" cy="213064"/>
-              </a:xfrm>
-              <a:prstGeom prst="flowChartProcess">
-                <a:avLst/>
-              </a:prstGeom>
-              <a:solidFill>
-                <a:schemeClr val="tx1"/>
-              </a:solidFill>
-            </p:spPr>
-            <p:style>
-              <a:lnRef idx="2">
-                <a:schemeClr val="accent1">
-                  <a:shade val="50000"/>
+              </a:gs>
+            </a:gsLst>
+            <a:lin ang="16200000" scaled="1"/>
+            <a:tileRect/>
+          </a:gradFill>
+          <a:ln>
+            <a:noFill/>
+          </a:ln>
+        </p:spPr>
+        <p:style>
+          <a:lnRef idx="0">
+            <a:scrgbClr r="0" g="0" b="0"/>
+          </a:lnRef>
+          <a:fillRef idx="0">
+            <a:scrgbClr r="0" g="0" b="0"/>
+          </a:fillRef>
+          <a:effectRef idx="0">
+            <a:scrgbClr r="0" g="0" b="0"/>
+          </a:effectRef>
+          <a:fontRef idx="minor">
+            <a:schemeClr val="lt1"/>
+          </a:fontRef>
+        </p:style>
+        <p:txBody>
+          <a:bodyPr rtlCol="0" anchor="ctr"/>
+          <a:lstStyle/>
+          <a:p>
+            <a:pPr algn="ctr"/>
+            <a:r>
+              <a:rPr lang="ko-KR" altLang="en-US" sz="1000" dirty="0" err="1"/>
+              <a:t>부스터</a:t>
+            </a:r>
+            <a:endParaRPr lang="ko-KR" altLang="en-US" sz="1000" dirty="0"/>
+          </a:p>
+        </p:txBody>
+      </p:sp>
+      <p:sp>
+        <p:nvSpPr>
+          <p:cNvPr id="90" name="사각형: 둥근 모서리 89"/>
+          <p:cNvSpPr/>
+          <p:nvPr/>
+        </p:nvSpPr>
+        <p:spPr>
+          <a:xfrm>
+            <a:off x="7053285" y="5791719"/>
+            <a:ext cx="761728" cy="319596"/>
+          </a:xfrm>
+          <a:prstGeom prst="roundRect">
+            <a:avLst/>
+          </a:prstGeom>
+          <a:gradFill flip="none" rotWithShape="1">
+            <a:gsLst>
+              <a:gs pos="0">
+                <a:schemeClr val="accent2">
+                  <a:lumMod val="67000"/>
                 </a:schemeClr>
-              </a:lnRef>
-              <a:fillRef idx="1">
-                <a:schemeClr val="accent1"/>
-              </a:fillRef>
-              <a:effectRef idx="0">
-                <a:schemeClr val="accent1"/>
-              </a:effectRef>
-              <a:fontRef idx="minor">
-                <a:schemeClr val="lt1"/>
-              </a:fontRef>
-            </p:style>
-            <p:txBody>
-              <a:bodyPr rtlCol="0" anchor="ctr"/>
-              <a:lstStyle/>
-              <a:p>
-                <a:pPr algn="ctr"/>
-                <a:endParaRPr lang="ko-KR" altLang="en-US"/>
-              </a:p>
-            </p:txBody>
-          </p:sp>
-          <p:sp>
-            <p:nvSpPr>
-              <p:cNvPr id="53" name="순서도: 처리 52"/>
-              <p:cNvSpPr/>
-              <p:nvPr/>
-            </p:nvSpPr>
-            <p:spPr>
-              <a:xfrm>
-                <a:off x="1734475" y="5175682"/>
-                <a:ext cx="152030" cy="372862"/>
-              </a:xfrm>
-              <a:prstGeom prst="flowChartProcess">
-                <a:avLst/>
-              </a:prstGeom>
-              <a:solidFill>
-                <a:schemeClr val="tx1"/>
-              </a:solidFill>
-            </p:spPr>
-            <p:style>
-              <a:lnRef idx="2">
-                <a:schemeClr val="accent1">
-                  <a:shade val="50000"/>
+              </a:gs>
+              <a:gs pos="48000">
+                <a:schemeClr val="accent2">
+                  <a:lumMod val="97000"/>
+                  <a:lumOff val="3000"/>
                 </a:schemeClr>
-              </a:lnRef>
-              <a:fillRef idx="1">
-                <a:schemeClr val="accent1"/>
-              </a:fillRef>
-              <a:effectRef idx="0">
-                <a:schemeClr val="accent1"/>
-              </a:effectRef>
-              <a:fontRef idx="minor">
-                <a:schemeClr val="lt1"/>
-              </a:fontRef>
-            </p:style>
-            <p:txBody>
-              <a:bodyPr rtlCol="0" anchor="ctr"/>
-              <a:lstStyle/>
-              <a:p>
-                <a:pPr algn="ctr"/>
-                <a:endParaRPr lang="ko-KR" altLang="en-US"/>
-              </a:p>
-            </p:txBody>
-          </p:sp>
-          <p:sp>
-            <p:nvSpPr>
-              <p:cNvPr id="54" name="순서도: 처리 53"/>
-              <p:cNvSpPr/>
-              <p:nvPr/>
-            </p:nvSpPr>
-            <p:spPr>
-              <a:xfrm>
-                <a:off x="1229555" y="5175682"/>
-                <a:ext cx="152030" cy="372862"/>
-              </a:xfrm>
-              <a:prstGeom prst="flowChartProcess">
-                <a:avLst/>
-              </a:prstGeom>
-              <a:solidFill>
-                <a:schemeClr val="tx1"/>
-              </a:solidFill>
-            </p:spPr>
-            <p:style>
-              <a:lnRef idx="2">
-                <a:schemeClr val="accent1">
-                  <a:shade val="50000"/>
+              </a:gs>
+              <a:gs pos="100000">
+                <a:schemeClr val="accent2">
+                  <a:lumMod val="60000"/>
+                  <a:lumOff val="40000"/>
                 </a:schemeClr>
-              </a:lnRef>
-              <a:fillRef idx="1">
-                <a:schemeClr val="accent1"/>
-              </a:fillRef>
-              <a:effectRef idx="0">
-                <a:schemeClr val="accent1"/>
-              </a:effectRef>
-              <a:fontRef idx="minor">
-                <a:schemeClr val="lt1"/>
-              </a:fontRef>
-            </p:style>
-            <p:txBody>
-              <a:bodyPr rtlCol="0" anchor="ctr"/>
-              <a:lstStyle/>
-              <a:p>
-                <a:pPr algn="ctr"/>
-                <a:endParaRPr lang="ko-KR" altLang="en-US"/>
-              </a:p>
-            </p:txBody>
-          </p:sp>
-        </p:grpSp>
-        <p:sp>
-          <p:nvSpPr>
-            <p:cNvPr id="11" name="웃는 얼굴 10"/>
-            <p:cNvSpPr/>
-            <p:nvPr/>
-          </p:nvSpPr>
-          <p:spPr>
-            <a:xfrm>
-              <a:off x="4143857" y="4351570"/>
-              <a:ext cx="491511" cy="491511"/>
-            </a:xfrm>
-            <a:prstGeom prst="smileyFace">
-              <a:avLst/>
-            </a:prstGeom>
-            <a:solidFill>
-              <a:schemeClr val="tx1"/>
-            </a:solidFill>
-          </p:spPr>
-          <p:style>
-            <a:lnRef idx="2">
-              <a:schemeClr val="accent1">
-                <a:shade val="50000"/>
-              </a:schemeClr>
-            </a:lnRef>
-            <a:fillRef idx="1">
-              <a:schemeClr val="accent1"/>
-            </a:fillRef>
-            <a:effectRef idx="0">
-              <a:schemeClr val="accent1"/>
-            </a:effectRef>
-            <a:fontRef idx="minor">
-              <a:schemeClr val="lt1"/>
-            </a:fontRef>
-          </p:style>
-          <p:txBody>
-            <a:bodyPr rtlCol="0" anchor="ctr"/>
-            <a:lstStyle/>
-            <a:p>
-              <a:pPr algn="ctr"/>
-              <a:endParaRPr lang="ko-KR" altLang="en-US"/>
-            </a:p>
-          </p:txBody>
-        </p:sp>
-        <p:sp>
-          <p:nvSpPr>
-            <p:cNvPr id="12" name="TextBox 11"/>
-            <p:cNvSpPr txBox="1"/>
-            <p:nvPr/>
-          </p:nvSpPr>
-          <p:spPr>
-            <a:xfrm>
-              <a:off x="1239086" y="5014626"/>
-              <a:ext cx="338554" cy="276999"/>
-            </a:xfrm>
-            <a:prstGeom prst="rect">
-              <a:avLst/>
-            </a:prstGeom>
+              </a:gs>
+            </a:gsLst>
+            <a:lin ang="16200000" scaled="1"/>
+            <a:tileRect/>
+          </a:gradFill>
+          <a:ln>
             <a:noFill/>
-          </p:spPr>
-          <p:txBody>
-            <a:bodyPr wrap="none" rtlCol="0">
-              <a:spAutoFit/>
-            </a:bodyPr>
-            <a:lstStyle/>
-            <a:p>
-              <a:r>
-                <a:rPr lang="ko-KR" altLang="en-US" sz="1200" b="1" dirty="0">
-                  <a:solidFill>
-                    <a:schemeClr val="bg1"/>
-                  </a:solidFill>
-                </a:rPr>
-                <a:t>뒤</a:t>
-              </a:r>
-            </a:p>
-          </p:txBody>
-        </p:sp>
-        <p:sp>
-          <p:nvSpPr>
-            <p:cNvPr id="13" name="TextBox 12"/>
-            <p:cNvSpPr txBox="1"/>
-            <p:nvPr/>
-          </p:nvSpPr>
-          <p:spPr>
-            <a:xfrm>
-              <a:off x="3004355" y="4783793"/>
-              <a:ext cx="771365" cy="307777"/>
-            </a:xfrm>
-            <a:prstGeom prst="rect">
-              <a:avLst/>
-            </a:prstGeom>
-            <a:noFill/>
-          </p:spPr>
-          <p:txBody>
-            <a:bodyPr wrap="none" rtlCol="0">
-              <a:spAutoFit/>
-            </a:bodyPr>
-            <a:lstStyle/>
-            <a:p>
-              <a:r>
-                <a:rPr lang="en-US" altLang="ko-KR" sz="1400" b="1" dirty="0"/>
-                <a:t>Ready</a:t>
-              </a:r>
-              <a:endParaRPr lang="ko-KR" altLang="en-US" sz="1400" b="1" dirty="0"/>
-            </a:p>
-          </p:txBody>
-        </p:sp>
-        <p:sp>
-          <p:nvSpPr>
-            <p:cNvPr id="14" name="순서도: 직접 액세스 저장소 13"/>
-            <p:cNvSpPr/>
-            <p:nvPr/>
-          </p:nvSpPr>
-          <p:spPr>
-            <a:xfrm>
-              <a:off x="1613202" y="5622804"/>
-              <a:ext cx="242231" cy="254213"/>
-            </a:xfrm>
-            <a:prstGeom prst="flowChartMagneticDrum">
-              <a:avLst/>
-            </a:prstGeom>
-            <a:solidFill>
-              <a:srgbClr val="FFFF00"/>
-            </a:solidFill>
-          </p:spPr>
-          <p:style>
-            <a:lnRef idx="2">
-              <a:schemeClr val="accent1">
-                <a:shade val="50000"/>
-              </a:schemeClr>
-            </a:lnRef>
-            <a:fillRef idx="1">
-              <a:schemeClr val="accent1"/>
-            </a:fillRef>
-            <a:effectRef idx="0">
-              <a:schemeClr val="accent1"/>
-            </a:effectRef>
-            <a:fontRef idx="minor">
-              <a:schemeClr val="lt1"/>
-            </a:fontRef>
-          </p:style>
-          <p:txBody>
-            <a:bodyPr rtlCol="0" anchor="ctr"/>
-            <a:lstStyle/>
-            <a:p>
-              <a:pPr algn="ctr"/>
-              <a:endParaRPr lang="ko-KR" altLang="en-US"/>
-            </a:p>
-          </p:txBody>
-        </p:sp>
-        <p:sp>
-          <p:nvSpPr>
-            <p:cNvPr id="82" name="순서도: 직접 액세스 저장소 81"/>
-            <p:cNvSpPr/>
-            <p:nvPr/>
-          </p:nvSpPr>
-          <p:spPr>
-            <a:xfrm>
-              <a:off x="964459" y="5640866"/>
-              <a:ext cx="242231" cy="254213"/>
-            </a:xfrm>
-            <a:prstGeom prst="flowChartMagneticDrum">
-              <a:avLst/>
-            </a:prstGeom>
-            <a:solidFill>
-              <a:srgbClr val="FFFF00"/>
-            </a:solidFill>
-          </p:spPr>
-          <p:style>
-            <a:lnRef idx="2">
-              <a:schemeClr val="accent1">
-                <a:shade val="50000"/>
-              </a:schemeClr>
-            </a:lnRef>
-            <a:fillRef idx="1">
-              <a:schemeClr val="accent1"/>
-            </a:fillRef>
-            <a:effectRef idx="0">
-              <a:schemeClr val="accent1"/>
-            </a:effectRef>
-            <a:fontRef idx="minor">
-              <a:schemeClr val="lt1"/>
-            </a:fontRef>
-          </p:style>
-          <p:txBody>
-            <a:bodyPr rtlCol="0" anchor="ctr"/>
-            <a:lstStyle/>
-            <a:p>
-              <a:pPr algn="ctr"/>
-              <a:endParaRPr lang="ko-KR" altLang="en-US"/>
-            </a:p>
-          </p:txBody>
-        </p:sp>
-        <p:sp>
-          <p:nvSpPr>
-            <p:cNvPr id="83" name="순서도: 직접 액세스 저장소 82"/>
-            <p:cNvSpPr/>
-            <p:nvPr/>
-          </p:nvSpPr>
-          <p:spPr>
-            <a:xfrm>
-              <a:off x="3622444" y="5567918"/>
-              <a:ext cx="242231" cy="254213"/>
-            </a:xfrm>
-            <a:prstGeom prst="flowChartMagneticDrum">
-              <a:avLst/>
-            </a:prstGeom>
-            <a:solidFill>
-              <a:srgbClr val="FFFF00"/>
-            </a:solidFill>
-          </p:spPr>
-          <p:style>
-            <a:lnRef idx="2">
-              <a:schemeClr val="accent1">
-                <a:shade val="50000"/>
-              </a:schemeClr>
-            </a:lnRef>
-            <a:fillRef idx="1">
-              <a:schemeClr val="accent1"/>
-            </a:fillRef>
-            <a:effectRef idx="0">
-              <a:schemeClr val="accent1"/>
-            </a:effectRef>
-            <a:fontRef idx="minor">
-              <a:schemeClr val="lt1"/>
-            </a:fontRef>
-          </p:style>
-          <p:txBody>
-            <a:bodyPr rtlCol="0" anchor="ctr"/>
-            <a:lstStyle/>
-            <a:p>
-              <a:pPr algn="ctr"/>
-              <a:endParaRPr lang="ko-KR" altLang="en-US"/>
-            </a:p>
-          </p:txBody>
-        </p:sp>
-        <p:sp>
-          <p:nvSpPr>
-            <p:cNvPr id="85" name="순서도: 직접 액세스 저장소 84"/>
-            <p:cNvSpPr/>
-            <p:nvPr/>
-          </p:nvSpPr>
-          <p:spPr>
-            <a:xfrm>
-              <a:off x="2973701" y="5585980"/>
-              <a:ext cx="242231" cy="254213"/>
-            </a:xfrm>
-            <a:prstGeom prst="flowChartMagneticDrum">
-              <a:avLst/>
-            </a:prstGeom>
-            <a:solidFill>
-              <a:srgbClr val="FFFF00"/>
-            </a:solidFill>
-          </p:spPr>
-          <p:style>
-            <a:lnRef idx="2">
-              <a:schemeClr val="accent1">
-                <a:shade val="50000"/>
-              </a:schemeClr>
-            </a:lnRef>
-            <a:fillRef idx="1">
-              <a:schemeClr val="accent1"/>
-            </a:fillRef>
-            <a:effectRef idx="0">
-              <a:schemeClr val="accent1"/>
-            </a:effectRef>
-            <a:fontRef idx="minor">
-              <a:schemeClr val="lt1"/>
-            </a:fontRef>
-          </p:style>
-          <p:txBody>
-            <a:bodyPr rtlCol="0" anchor="ctr"/>
-            <a:lstStyle/>
-            <a:p>
-              <a:pPr algn="ctr"/>
-              <a:endParaRPr lang="ko-KR" altLang="en-US"/>
-            </a:p>
-          </p:txBody>
-        </p:sp>
-        <p:sp>
-          <p:nvSpPr>
-            <p:cNvPr id="86" name="순서도: 직접 액세스 저장소 85"/>
-            <p:cNvSpPr/>
-            <p:nvPr/>
-          </p:nvSpPr>
-          <p:spPr>
-            <a:xfrm>
-              <a:off x="3383313" y="5585979"/>
-              <a:ext cx="242231" cy="254213"/>
-            </a:xfrm>
-            <a:prstGeom prst="flowChartMagneticDrum">
-              <a:avLst/>
-            </a:prstGeom>
-            <a:solidFill>
-              <a:srgbClr val="FFFF00"/>
-            </a:solidFill>
-          </p:spPr>
-          <p:style>
-            <a:lnRef idx="2">
-              <a:schemeClr val="accent1">
-                <a:shade val="50000"/>
-              </a:schemeClr>
-            </a:lnRef>
-            <a:fillRef idx="1">
-              <a:schemeClr val="accent1"/>
-            </a:fillRef>
-            <a:effectRef idx="0">
-              <a:schemeClr val="accent1"/>
-            </a:effectRef>
-            <a:fontRef idx="minor">
-              <a:schemeClr val="lt1"/>
-            </a:fontRef>
-          </p:style>
-          <p:txBody>
-            <a:bodyPr rtlCol="0" anchor="ctr"/>
-            <a:lstStyle/>
-            <a:p>
-              <a:pPr algn="ctr"/>
-              <a:endParaRPr lang="ko-KR" altLang="en-US"/>
-            </a:p>
-          </p:txBody>
-        </p:sp>
-        <p:sp>
-          <p:nvSpPr>
-            <p:cNvPr id="15" name="TextBox 14"/>
-            <p:cNvSpPr txBox="1"/>
-            <p:nvPr/>
-          </p:nvSpPr>
-          <p:spPr>
-            <a:xfrm>
-              <a:off x="2111830" y="3605104"/>
-              <a:ext cx="1762021" cy="807913"/>
-            </a:xfrm>
-            <a:prstGeom prst="rect">
-              <a:avLst/>
-            </a:prstGeom>
-            <a:noFill/>
-          </p:spPr>
-          <p:txBody>
-            <a:bodyPr wrap="none" rtlCol="0">
-              <a:spAutoFit/>
-            </a:bodyPr>
-            <a:lstStyle/>
-            <a:p>
-              <a:r>
-                <a:rPr lang="ko-KR" altLang="en-US" sz="1050" dirty="0"/>
-                <a:t>로봇 청소부 부서</a:t>
-              </a:r>
-              <a:endParaRPr lang="en-US" altLang="ko-KR" sz="1050" dirty="0"/>
-            </a:p>
-            <a:p>
-              <a:r>
-                <a:rPr lang="ko-KR" altLang="en-US" sz="3600" dirty="0" err="1"/>
-                <a:t>퓨우웅</a:t>
-              </a:r>
-              <a:r>
-                <a:rPr lang="ko-KR" altLang="en-US" dirty="0"/>
-                <a:t> </a:t>
-              </a:r>
-              <a:r>
-                <a:rPr lang="ko-KR" altLang="en-US" sz="1000" dirty="0"/>
-                <a:t>팀</a:t>
-              </a:r>
-              <a:endParaRPr lang="en-US" altLang="ko-KR" dirty="0"/>
-            </a:p>
-          </p:txBody>
-        </p:sp>
-        <p:sp>
-          <p:nvSpPr>
-            <p:cNvPr id="16" name="순서도: 수행의 시작/종료 15"/>
-            <p:cNvSpPr/>
-            <p:nvPr/>
-          </p:nvSpPr>
-          <p:spPr>
-            <a:xfrm>
-              <a:off x="3905743" y="3605104"/>
-              <a:ext cx="1020857" cy="247805"/>
-            </a:xfrm>
-            <a:prstGeom prst="flowChartTerminator">
-              <a:avLst/>
-            </a:prstGeom>
-            <a:solidFill>
-              <a:srgbClr val="00B0F0"/>
-            </a:solidFill>
-            <a:ln>
-              <a:solidFill>
-                <a:schemeClr val="bg1"/>
-              </a:solidFill>
-            </a:ln>
-          </p:spPr>
-          <p:style>
-            <a:lnRef idx="2">
-              <a:schemeClr val="accent1">
-                <a:shade val="50000"/>
-              </a:schemeClr>
-            </a:lnRef>
-            <a:fillRef idx="1">
-              <a:schemeClr val="accent1"/>
-            </a:fillRef>
-            <a:effectRef idx="0">
-              <a:schemeClr val="accent1"/>
-            </a:effectRef>
-            <a:fontRef idx="minor">
-              <a:schemeClr val="lt1"/>
-            </a:fontRef>
-          </p:style>
-          <p:txBody>
-            <a:bodyPr rtlCol="0" anchor="ctr"/>
-            <a:lstStyle/>
-            <a:p>
-              <a:pPr algn="ctr"/>
-              <a:r>
-                <a:rPr lang="ko-KR" altLang="en-US" sz="1000" b="1" dirty="0"/>
-                <a:t>코인</a:t>
-              </a:r>
-            </a:p>
-          </p:txBody>
-        </p:sp>
-        <p:sp>
-          <p:nvSpPr>
-            <p:cNvPr id="17" name="사각형: 둥근 모서리 16"/>
-            <p:cNvSpPr/>
-            <p:nvPr/>
-          </p:nvSpPr>
-          <p:spPr>
-            <a:xfrm>
-              <a:off x="864839" y="6001610"/>
-              <a:ext cx="761728" cy="319596"/>
-            </a:xfrm>
-            <a:prstGeom prst="roundRect">
-              <a:avLst/>
-            </a:prstGeom>
-            <a:gradFill flip="none" rotWithShape="1">
-              <a:gsLst>
-                <a:gs pos="0">
-                  <a:schemeClr val="accent2">
-                    <a:lumMod val="67000"/>
-                  </a:schemeClr>
-                </a:gs>
-                <a:gs pos="48000">
-                  <a:schemeClr val="accent2">
-                    <a:lumMod val="97000"/>
-                    <a:lumOff val="3000"/>
-                  </a:schemeClr>
-                </a:gs>
-                <a:gs pos="100000">
-                  <a:schemeClr val="accent2">
-                    <a:lumMod val="60000"/>
-                    <a:lumOff val="40000"/>
-                  </a:schemeClr>
-                </a:gs>
-              </a:gsLst>
-              <a:lin ang="16200000" scaled="1"/>
-              <a:tileRect/>
-            </a:gradFill>
-            <a:ln>
-              <a:noFill/>
-            </a:ln>
-          </p:spPr>
-          <p:style>
-            <a:lnRef idx="0">
-              <a:scrgbClr r="0" g="0" b="0"/>
-            </a:lnRef>
-            <a:fillRef idx="0">
-              <a:scrgbClr r="0" g="0" b="0"/>
-            </a:fillRef>
-            <a:effectRef idx="0">
-              <a:scrgbClr r="0" g="0" b="0"/>
-            </a:effectRef>
-            <a:fontRef idx="minor">
-              <a:schemeClr val="lt1"/>
-            </a:fontRef>
-          </p:style>
-          <p:txBody>
-            <a:bodyPr rtlCol="0" anchor="ctr"/>
-            <a:lstStyle/>
-            <a:p>
-              <a:pPr algn="ctr"/>
-              <a:r>
-                <a:rPr lang="ko-KR" altLang="en-US" sz="1000" dirty="0"/>
-                <a:t>옵션</a:t>
-              </a:r>
-            </a:p>
-          </p:txBody>
-        </p:sp>
-        <p:sp>
-          <p:nvSpPr>
-            <p:cNvPr id="87" name="사각형: 둥근 모서리 86"/>
-            <p:cNvSpPr/>
-            <p:nvPr/>
-          </p:nvSpPr>
-          <p:spPr>
-            <a:xfrm>
-              <a:off x="1687501" y="6001610"/>
-              <a:ext cx="761728" cy="319596"/>
-            </a:xfrm>
-            <a:prstGeom prst="roundRect">
-              <a:avLst/>
-            </a:prstGeom>
-            <a:gradFill flip="none" rotWithShape="1">
-              <a:gsLst>
-                <a:gs pos="0">
-                  <a:schemeClr val="accent2">
-                    <a:lumMod val="67000"/>
-                  </a:schemeClr>
-                </a:gs>
-                <a:gs pos="48000">
-                  <a:schemeClr val="accent2">
-                    <a:lumMod val="97000"/>
-                    <a:lumOff val="3000"/>
-                  </a:schemeClr>
-                </a:gs>
-                <a:gs pos="100000">
-                  <a:schemeClr val="accent2">
-                    <a:lumMod val="60000"/>
-                    <a:lumOff val="40000"/>
-                  </a:schemeClr>
-                </a:gs>
-              </a:gsLst>
-              <a:lin ang="16200000" scaled="1"/>
-              <a:tileRect/>
-            </a:gradFill>
-            <a:ln>
-              <a:noFill/>
-            </a:ln>
-          </p:spPr>
-          <p:style>
-            <a:lnRef idx="0">
-              <a:scrgbClr r="0" g="0" b="0"/>
-            </a:lnRef>
-            <a:fillRef idx="0">
-              <a:scrgbClr r="0" g="0" b="0"/>
-            </a:fillRef>
-            <a:effectRef idx="0">
-              <a:scrgbClr r="0" g="0" b="0"/>
-            </a:effectRef>
-            <a:fontRef idx="minor">
-              <a:schemeClr val="lt1"/>
-            </a:fontRef>
-          </p:style>
-          <p:txBody>
-            <a:bodyPr rtlCol="0" anchor="ctr"/>
-            <a:lstStyle/>
-            <a:p>
-              <a:pPr algn="ctr"/>
-              <a:r>
-                <a:rPr lang="ko-KR" altLang="en-US" sz="1000" dirty="0"/>
-                <a:t>헬멧</a:t>
-              </a:r>
-            </a:p>
-          </p:txBody>
-        </p:sp>
-        <p:sp>
-          <p:nvSpPr>
-            <p:cNvPr id="88" name="사각형: 둥근 모서리 87"/>
-            <p:cNvSpPr/>
-            <p:nvPr/>
-          </p:nvSpPr>
-          <p:spPr>
-            <a:xfrm>
-              <a:off x="2510163" y="6001610"/>
-              <a:ext cx="761728" cy="319596"/>
-            </a:xfrm>
-            <a:prstGeom prst="roundRect">
-              <a:avLst/>
-            </a:prstGeom>
-            <a:gradFill flip="none" rotWithShape="1">
-              <a:gsLst>
-                <a:gs pos="0">
-                  <a:schemeClr val="accent2">
-                    <a:lumMod val="67000"/>
-                  </a:schemeClr>
-                </a:gs>
-                <a:gs pos="48000">
-                  <a:schemeClr val="accent2">
-                    <a:lumMod val="97000"/>
-                    <a:lumOff val="3000"/>
-                  </a:schemeClr>
-                </a:gs>
-                <a:gs pos="100000">
-                  <a:schemeClr val="accent2">
-                    <a:lumMod val="60000"/>
-                    <a:lumOff val="40000"/>
-                  </a:schemeClr>
-                </a:gs>
-              </a:gsLst>
-              <a:lin ang="16200000" scaled="1"/>
-              <a:tileRect/>
-            </a:gradFill>
-            <a:ln>
-              <a:noFill/>
-            </a:ln>
-          </p:spPr>
-          <p:style>
-            <a:lnRef idx="0">
-              <a:scrgbClr r="0" g="0" b="0"/>
-            </a:lnRef>
-            <a:fillRef idx="0">
-              <a:scrgbClr r="0" g="0" b="0"/>
-            </a:fillRef>
-            <a:effectRef idx="0">
-              <a:scrgbClr r="0" g="0" b="0"/>
-            </a:effectRef>
-            <a:fontRef idx="minor">
-              <a:schemeClr val="lt1"/>
-            </a:fontRef>
-          </p:style>
-          <p:txBody>
-            <a:bodyPr rtlCol="0" anchor="ctr"/>
-            <a:lstStyle/>
-            <a:p>
-              <a:pPr algn="ctr"/>
-              <a:r>
-                <a:rPr lang="ko-KR" altLang="en-US" sz="1000" dirty="0"/>
-                <a:t>무기</a:t>
-              </a:r>
-            </a:p>
-          </p:txBody>
-        </p:sp>
-        <p:sp>
-          <p:nvSpPr>
-            <p:cNvPr id="89" name="사각형: 둥근 모서리 88"/>
-            <p:cNvSpPr/>
-            <p:nvPr/>
-          </p:nvSpPr>
-          <p:spPr>
-            <a:xfrm>
-              <a:off x="3332825" y="6001610"/>
-              <a:ext cx="761728" cy="319596"/>
-            </a:xfrm>
-            <a:prstGeom prst="roundRect">
-              <a:avLst/>
-            </a:prstGeom>
-            <a:gradFill flip="none" rotWithShape="1">
-              <a:gsLst>
-                <a:gs pos="0">
-                  <a:schemeClr val="accent2">
-                    <a:lumMod val="67000"/>
-                  </a:schemeClr>
-                </a:gs>
-                <a:gs pos="48000">
-                  <a:schemeClr val="accent2">
-                    <a:lumMod val="97000"/>
-                    <a:lumOff val="3000"/>
-                  </a:schemeClr>
-                </a:gs>
-                <a:gs pos="100000">
-                  <a:schemeClr val="accent2">
-                    <a:lumMod val="60000"/>
-                    <a:lumOff val="40000"/>
-                  </a:schemeClr>
-                </a:gs>
-              </a:gsLst>
-              <a:lin ang="16200000" scaled="1"/>
-              <a:tileRect/>
-            </a:gradFill>
-            <a:ln>
-              <a:noFill/>
-            </a:ln>
-          </p:spPr>
-          <p:style>
-            <a:lnRef idx="0">
-              <a:scrgbClr r="0" g="0" b="0"/>
-            </a:lnRef>
-            <a:fillRef idx="0">
-              <a:scrgbClr r="0" g="0" b="0"/>
-            </a:fillRef>
-            <a:effectRef idx="0">
-              <a:scrgbClr r="0" g="0" b="0"/>
-            </a:effectRef>
-            <a:fontRef idx="minor">
-              <a:schemeClr val="lt1"/>
-            </a:fontRef>
-          </p:style>
-          <p:txBody>
-            <a:bodyPr rtlCol="0" anchor="ctr"/>
-            <a:lstStyle/>
-            <a:p>
-              <a:pPr algn="ctr"/>
-              <a:r>
-                <a:rPr lang="ko-KR" altLang="en-US" sz="1000" dirty="0" err="1"/>
-                <a:t>부스터</a:t>
-              </a:r>
-              <a:endParaRPr lang="ko-KR" altLang="en-US" sz="1000" dirty="0"/>
-            </a:p>
-          </p:txBody>
-        </p:sp>
-        <p:sp>
-          <p:nvSpPr>
-            <p:cNvPr id="90" name="사각형: 둥근 모서리 89"/>
-            <p:cNvSpPr/>
-            <p:nvPr/>
-          </p:nvSpPr>
-          <p:spPr>
-            <a:xfrm>
-              <a:off x="4155488" y="6001610"/>
-              <a:ext cx="761728" cy="319596"/>
-            </a:xfrm>
-            <a:prstGeom prst="roundRect">
-              <a:avLst/>
-            </a:prstGeom>
-            <a:gradFill flip="none" rotWithShape="1">
-              <a:gsLst>
-                <a:gs pos="0">
-                  <a:schemeClr val="accent2">
-                    <a:lumMod val="67000"/>
-                  </a:schemeClr>
-                </a:gs>
-                <a:gs pos="48000">
-                  <a:schemeClr val="accent2">
-                    <a:lumMod val="97000"/>
-                    <a:lumOff val="3000"/>
-                  </a:schemeClr>
-                </a:gs>
-                <a:gs pos="100000">
-                  <a:schemeClr val="accent2">
-                    <a:lumMod val="60000"/>
-                    <a:lumOff val="40000"/>
-                  </a:schemeClr>
-                </a:gs>
-              </a:gsLst>
-              <a:lin ang="16200000" scaled="1"/>
-              <a:tileRect/>
-            </a:gradFill>
-            <a:ln>
-              <a:noFill/>
-            </a:ln>
-          </p:spPr>
-          <p:style>
-            <a:lnRef idx="0">
-              <a:scrgbClr r="0" g="0" b="0"/>
-            </a:lnRef>
-            <a:fillRef idx="0">
-              <a:scrgbClr r="0" g="0" b="0"/>
-            </a:fillRef>
-            <a:effectRef idx="0">
-              <a:scrgbClr r="0" g="0" b="0"/>
-            </a:effectRef>
-            <a:fontRef idx="minor">
-              <a:schemeClr val="lt1"/>
-            </a:fontRef>
-          </p:style>
-          <p:txBody>
-            <a:bodyPr rtlCol="0" anchor="ctr"/>
-            <a:lstStyle/>
-            <a:p>
-              <a:pPr algn="ctr"/>
-              <a:r>
-                <a:rPr lang="ko-KR" altLang="en-US" sz="1000" dirty="0"/>
-                <a:t>게임시작</a:t>
-              </a:r>
-            </a:p>
-          </p:txBody>
-        </p:sp>
-      </p:grpSp>
+          </a:ln>
+        </p:spPr>
+        <p:style>
+          <a:lnRef idx="0">
+            <a:scrgbClr r="0" g="0" b="0"/>
+          </a:lnRef>
+          <a:fillRef idx="0">
+            <a:scrgbClr r="0" g="0" b="0"/>
+          </a:fillRef>
+          <a:effectRef idx="0">
+            <a:scrgbClr r="0" g="0" b="0"/>
+          </a:effectRef>
+          <a:fontRef idx="minor">
+            <a:schemeClr val="lt1"/>
+          </a:fontRef>
+        </p:style>
+        <p:txBody>
+          <a:bodyPr rtlCol="0" anchor="ctr"/>
+          <a:lstStyle/>
+          <a:p>
+            <a:pPr algn="ctr"/>
+            <a:r>
+              <a:rPr lang="ko-KR" altLang="en-US" sz="1000" dirty="0"/>
+              <a:t>게임시작</a:t>
+            </a:r>
+          </a:p>
+        </p:txBody>
+      </p:sp>
       <p:sp>
         <p:nvSpPr>
           <p:cNvPr id="91" name="순서도: 처리 90"/>
@@ -16034,228 +14909,6 @@
               </a:rPr>
               <a:t>.</a:t>
             </a:r>
-          </a:p>
-        </p:txBody>
-      </p:sp>
-      <p:sp>
-        <p:nvSpPr>
-          <p:cNvPr id="92" name="순서도: 처리 91"/>
-          <p:cNvSpPr/>
-          <p:nvPr/>
-        </p:nvSpPr>
-        <p:spPr>
-          <a:xfrm>
-            <a:off x="1261872" y="4033598"/>
-            <a:ext cx="2117085" cy="574775"/>
-          </a:xfrm>
-          <a:prstGeom prst="flowChartProcess">
-            <a:avLst/>
-          </a:prstGeom>
-          <a:solidFill>
-            <a:schemeClr val="tx1"/>
-          </a:solidFill>
-          <a:ln>
-            <a:solidFill>
-              <a:schemeClr val="bg1"/>
-            </a:solidFill>
-          </a:ln>
-        </p:spPr>
-        <p:style>
-          <a:lnRef idx="2">
-            <a:schemeClr val="accent1">
-              <a:shade val="50000"/>
-            </a:schemeClr>
-          </a:lnRef>
-          <a:fillRef idx="1">
-            <a:schemeClr val="accent1"/>
-          </a:fillRef>
-          <a:effectRef idx="0">
-            <a:schemeClr val="accent1"/>
-          </a:effectRef>
-          <a:fontRef idx="minor">
-            <a:schemeClr val="lt1"/>
-          </a:fontRef>
-        </p:style>
-        <p:txBody>
-          <a:bodyPr rtlCol="0" anchor="ctr"/>
-          <a:lstStyle/>
-          <a:p>
-            <a:pPr algn="ctr"/>
-            <a:r>
-              <a:rPr lang="ko-KR" altLang="en-US" sz="1000" dirty="0">
-                <a:solidFill>
-                  <a:schemeClr val="bg1"/>
-                </a:solidFill>
-              </a:rPr>
-              <a:t>오락실 게임기와 같은 걸로 일함</a:t>
-            </a:r>
-            <a:r>
-              <a:rPr lang="en-US" altLang="ko-KR" sz="1000" dirty="0">
-                <a:solidFill>
-                  <a:schemeClr val="bg1"/>
-                </a:solidFill>
-              </a:rPr>
-              <a:t>.</a:t>
-            </a:r>
-          </a:p>
-          <a:p>
-            <a:pPr algn="ctr"/>
-            <a:r>
-              <a:rPr lang="ko-KR" altLang="en-US" sz="1000" dirty="0">
-                <a:solidFill>
-                  <a:schemeClr val="bg1"/>
-                </a:solidFill>
-              </a:rPr>
-              <a:t>전투 요원</a:t>
-            </a:r>
-            <a:r>
-              <a:rPr lang="en-US" altLang="ko-KR" sz="1000" dirty="0">
-                <a:solidFill>
-                  <a:schemeClr val="bg1"/>
-                </a:solidFill>
-              </a:rPr>
-              <a:t>(</a:t>
-            </a:r>
-            <a:r>
-              <a:rPr lang="ko-KR" altLang="en-US" sz="1000" dirty="0">
-                <a:solidFill>
-                  <a:schemeClr val="bg1"/>
-                </a:solidFill>
-              </a:rPr>
-              <a:t>백수 게이머</a:t>
-            </a:r>
-            <a:r>
-              <a:rPr lang="en-US" altLang="ko-KR" sz="1000" dirty="0">
-                <a:solidFill>
-                  <a:schemeClr val="bg1"/>
-                </a:solidFill>
-              </a:rPr>
-              <a:t>)</a:t>
-            </a:r>
-          </a:p>
-          <a:p>
-            <a:pPr algn="ctr"/>
-            <a:r>
-              <a:rPr lang="ko-KR" altLang="en-US" sz="1000" dirty="0">
-                <a:solidFill>
-                  <a:schemeClr val="bg1"/>
-                </a:solidFill>
-              </a:rPr>
-              <a:t>열심히 전투</a:t>
-            </a:r>
-            <a:r>
-              <a:rPr lang="en-US" altLang="ko-KR" sz="1000" dirty="0">
-                <a:solidFill>
-                  <a:schemeClr val="bg1"/>
-                </a:solidFill>
-              </a:rPr>
-              <a:t>(</a:t>
-            </a:r>
-            <a:r>
-              <a:rPr lang="ko-KR" altLang="en-US" sz="1000" dirty="0">
-                <a:solidFill>
-                  <a:schemeClr val="bg1"/>
-                </a:solidFill>
-              </a:rPr>
-              <a:t>게임</a:t>
-            </a:r>
-            <a:r>
-              <a:rPr lang="en-US" altLang="ko-KR" sz="1000" dirty="0">
-                <a:solidFill>
-                  <a:schemeClr val="bg1"/>
-                </a:solidFill>
-              </a:rPr>
-              <a:t>)</a:t>
-            </a:r>
-            <a:r>
-              <a:rPr lang="ko-KR" altLang="en-US" sz="1000" dirty="0">
-                <a:solidFill>
-                  <a:schemeClr val="bg1"/>
-                </a:solidFill>
-              </a:rPr>
-              <a:t> 중인 뒷모습</a:t>
-            </a:r>
-            <a:endParaRPr lang="en-US" altLang="ko-KR" sz="1000" dirty="0">
-              <a:solidFill>
-                <a:schemeClr val="bg1"/>
-              </a:solidFill>
-            </a:endParaRPr>
-          </a:p>
-        </p:txBody>
-      </p:sp>
-      <p:sp>
-        <p:nvSpPr>
-          <p:cNvPr id="93" name="순서도: 처리 92"/>
-          <p:cNvSpPr/>
-          <p:nvPr/>
-        </p:nvSpPr>
-        <p:spPr>
-          <a:xfrm>
-            <a:off x="1234539" y="4850496"/>
-            <a:ext cx="2117085" cy="574775"/>
-          </a:xfrm>
-          <a:prstGeom prst="flowChartProcess">
-            <a:avLst/>
-          </a:prstGeom>
-          <a:solidFill>
-            <a:schemeClr val="tx1"/>
-          </a:solidFill>
-          <a:ln>
-            <a:solidFill>
-              <a:schemeClr val="bg1"/>
-            </a:solidFill>
-          </a:ln>
-        </p:spPr>
-        <p:style>
-          <a:lnRef idx="2">
-            <a:schemeClr val="accent1">
-              <a:shade val="50000"/>
-            </a:schemeClr>
-          </a:lnRef>
-          <a:fillRef idx="1">
-            <a:schemeClr val="accent1"/>
-          </a:fillRef>
-          <a:effectRef idx="0">
-            <a:schemeClr val="accent1"/>
-          </a:effectRef>
-          <a:fontRef idx="minor">
-            <a:schemeClr val="lt1"/>
-          </a:fontRef>
-        </p:style>
-        <p:txBody>
-          <a:bodyPr rtlCol="0" anchor="ctr"/>
-          <a:lstStyle/>
-          <a:p>
-            <a:pPr algn="ctr"/>
-            <a:r>
-              <a:rPr lang="ko-KR" altLang="en-US" sz="1000" dirty="0">
-                <a:solidFill>
-                  <a:schemeClr val="bg1"/>
-                </a:solidFill>
-              </a:rPr>
-              <a:t>백수 게이머들 답게 청소 안함</a:t>
-            </a:r>
-            <a:endParaRPr lang="en-US" altLang="ko-KR" sz="1000" dirty="0">
-              <a:solidFill>
-                <a:schemeClr val="bg1"/>
-              </a:solidFill>
-            </a:endParaRPr>
-          </a:p>
-          <a:p>
-            <a:pPr algn="ctr"/>
-            <a:r>
-              <a:rPr lang="ko-KR" altLang="en-US" sz="1000" dirty="0">
-                <a:solidFill>
-                  <a:schemeClr val="bg1"/>
-                </a:solidFill>
-              </a:rPr>
-              <a:t>컵라면이나 기타 쓰레기들이 널려 있음</a:t>
-            </a:r>
-            <a:endParaRPr lang="en-US" altLang="ko-KR" sz="1000" dirty="0">
-              <a:solidFill>
-                <a:schemeClr val="bg1"/>
-              </a:solidFill>
-            </a:endParaRPr>
           </a:p>
         </p:txBody>
       </p:sp>
@@ -16371,6 +15024,7 @@
         <p:nvCxnSpPr>
           <p:cNvPr id="20" name="연결선: 꺾임 19"/>
           <p:cNvCxnSpPr>
+            <a:cxnSpLocks/>
             <a:stCxn id="91" idx="3"/>
           </p:cNvCxnSpPr>
           <p:nvPr/>
@@ -16407,100 +15061,18 @@
       </p:cxnSp>
       <p:cxnSp>
         <p:nvCxnSpPr>
-          <p:cNvPr id="95" name="연결선: 꺾임 94"/>
-          <p:cNvCxnSpPr>
-            <a:cxnSpLocks/>
-            <a:stCxn id="92" idx="3"/>
-            <a:endCxn id="37" idx="1"/>
-          </p:cNvCxnSpPr>
-          <p:nvPr/>
-        </p:nvCxnSpPr>
-        <p:spPr>
-          <a:xfrm>
-            <a:off x="3378957" y="4320986"/>
-            <a:ext cx="676715" cy="935369"/>
-          </a:xfrm>
-          <a:prstGeom prst="bentConnector3">
-            <a:avLst>
-              <a:gd name="adj1" fmla="val 50000"/>
-            </a:avLst>
-          </a:prstGeom>
-          <a:ln w="28575">
-            <a:solidFill>
-              <a:schemeClr val="tx1"/>
-            </a:solidFill>
-            <a:tailEnd type="triangle"/>
-          </a:ln>
-        </p:spPr>
-        <p:style>
-          <a:lnRef idx="1">
-            <a:schemeClr val="accent1"/>
-          </a:lnRef>
-          <a:fillRef idx="0">
-            <a:schemeClr val="accent1"/>
-          </a:fillRef>
-          <a:effectRef idx="0">
-            <a:schemeClr val="accent1"/>
-          </a:effectRef>
-          <a:fontRef idx="minor">
-            <a:schemeClr val="tx1"/>
-          </a:fontRef>
-        </p:style>
-      </p:cxnSp>
-      <p:cxnSp>
-        <p:nvCxnSpPr>
-          <p:cNvPr id="96" name="연결선: 꺾임 95"/>
-          <p:cNvCxnSpPr>
-            <a:cxnSpLocks/>
-            <a:stCxn id="93" idx="2"/>
-            <a:endCxn id="82" idx="1"/>
-          </p:cNvCxnSpPr>
-          <p:nvPr/>
-        </p:nvCxnSpPr>
-        <p:spPr>
-          <a:xfrm rot="16200000" flipH="1">
-            <a:off x="3011264" y="4707089"/>
-            <a:ext cx="132811" cy="1569174"/>
-          </a:xfrm>
-          <a:prstGeom prst="bentConnector2">
-            <a:avLst/>
-          </a:prstGeom>
-          <a:ln w="28575">
-            <a:solidFill>
-              <a:schemeClr val="tx1"/>
-            </a:solidFill>
-            <a:tailEnd type="triangle"/>
-          </a:ln>
-        </p:spPr>
-        <p:style>
-          <a:lnRef idx="1">
-            <a:schemeClr val="accent1"/>
-          </a:lnRef>
-          <a:fillRef idx="0">
-            <a:schemeClr val="accent1"/>
-          </a:fillRef>
-          <a:effectRef idx="0">
-            <a:schemeClr val="accent1"/>
-          </a:effectRef>
-          <a:fontRef idx="minor">
-            <a:schemeClr val="tx1"/>
-          </a:fontRef>
-        </p:style>
-      </p:cxnSp>
-      <p:cxnSp>
-        <p:nvCxnSpPr>
           <p:cNvPr id="97" name="연결선: 꺾임 96"/>
           <p:cNvCxnSpPr>
             <a:cxnSpLocks/>
             <a:stCxn id="94" idx="1"/>
-            <a:endCxn id="53" idx="3"/>
+            <a:endCxn id="106" idx="6"/>
           </p:cNvCxnSpPr>
           <p:nvPr/>
         </p:nvCxnSpPr>
         <p:spPr>
           <a:xfrm rot="10800000" flipV="1">
-            <a:off x="7611840" y="4457240"/>
-            <a:ext cx="414857" cy="423707"/>
+            <a:off x="5998706" y="4457240"/>
+            <a:ext cx="2027991" cy="308439"/>
           </a:xfrm>
           <a:prstGeom prst="bentConnector3">
             <a:avLst>
@@ -17067,6 +15639,148 @@
               <a:gd name="adj1" fmla="val 24865"/>
               <a:gd name="adj2" fmla="val 176411"/>
             </a:avLst>
+          </a:prstGeom>
+          <a:ln w="28575">
+            <a:solidFill>
+              <a:schemeClr val="tx1"/>
+            </a:solidFill>
+            <a:tailEnd type="triangle"/>
+          </a:ln>
+        </p:spPr>
+        <p:style>
+          <a:lnRef idx="1">
+            <a:schemeClr val="accent1"/>
+          </a:lnRef>
+          <a:fillRef idx="0">
+            <a:schemeClr val="accent1"/>
+          </a:fillRef>
+          <a:effectRef idx="0">
+            <a:schemeClr val="accent1"/>
+          </a:effectRef>
+          <a:fontRef idx="minor">
+            <a:schemeClr val="tx1"/>
+          </a:fontRef>
+        </p:style>
+      </p:cxnSp>
+      <p:sp>
+        <p:nvSpPr>
+          <p:cNvPr id="106" name="웃는 얼굴 105"/>
+          <p:cNvSpPr/>
+          <p:nvPr/>
+        </p:nvSpPr>
+        <p:spPr>
+          <a:xfrm>
+            <a:off x="5578570" y="4555612"/>
+            <a:ext cx="420135" cy="420135"/>
+          </a:xfrm>
+          <a:prstGeom prst="smileyFace">
+            <a:avLst/>
+          </a:prstGeom>
+          <a:solidFill>
+            <a:schemeClr val="tx1"/>
+          </a:solidFill>
+        </p:spPr>
+        <p:style>
+          <a:lnRef idx="2">
+            <a:schemeClr val="accent1">
+              <a:shade val="50000"/>
+            </a:schemeClr>
+          </a:lnRef>
+          <a:fillRef idx="1">
+            <a:schemeClr val="accent1"/>
+          </a:fillRef>
+          <a:effectRef idx="0">
+            <a:schemeClr val="accent1"/>
+          </a:effectRef>
+          <a:fontRef idx="minor">
+            <a:schemeClr val="lt1"/>
+          </a:fontRef>
+        </p:style>
+        <p:txBody>
+          <a:bodyPr rtlCol="0" anchor="ctr"/>
+          <a:lstStyle/>
+          <a:p>
+            <a:pPr algn="ctr"/>
+            <a:endParaRPr lang="ko-KR" altLang="en-US"/>
+          </a:p>
+        </p:txBody>
+      </p:sp>
+      <p:sp>
+        <p:nvSpPr>
+          <p:cNvPr id="107" name="순서도: 처리 106"/>
+          <p:cNvSpPr/>
+          <p:nvPr/>
+        </p:nvSpPr>
+        <p:spPr>
+          <a:xfrm>
+            <a:off x="1495210" y="4033855"/>
+            <a:ext cx="1492658" cy="386715"/>
+          </a:xfrm>
+          <a:prstGeom prst="flowChartProcess">
+            <a:avLst/>
+          </a:prstGeom>
+          <a:solidFill>
+            <a:schemeClr val="tx1"/>
+          </a:solidFill>
+          <a:ln>
+            <a:solidFill>
+              <a:schemeClr val="bg1"/>
+            </a:solidFill>
+          </a:ln>
+        </p:spPr>
+        <p:style>
+          <a:lnRef idx="2">
+            <a:schemeClr val="accent1">
+              <a:shade val="50000"/>
+            </a:schemeClr>
+          </a:lnRef>
+          <a:fillRef idx="1">
+            <a:schemeClr val="accent1"/>
+          </a:fillRef>
+          <a:effectRef idx="0">
+            <a:schemeClr val="accent1"/>
+          </a:effectRef>
+          <a:fontRef idx="minor">
+            <a:schemeClr val="lt1"/>
+          </a:fontRef>
+        </p:style>
+        <p:txBody>
+          <a:bodyPr rtlCol="0" anchor="ctr"/>
+          <a:lstStyle/>
+          <a:p>
+            <a:pPr algn="ctr"/>
+            <a:r>
+              <a:rPr lang="ko-KR" altLang="en-US" sz="1000" dirty="0">
+                <a:solidFill>
+                  <a:schemeClr val="bg1"/>
+                </a:solidFill>
+              </a:rPr>
+              <a:t>화면은 인게임과 동일</a:t>
+            </a:r>
+            <a:endParaRPr lang="en-US" altLang="ko-KR" sz="1000" dirty="0">
+              <a:solidFill>
+                <a:schemeClr val="bg1"/>
+              </a:solidFill>
+            </a:endParaRPr>
+          </a:p>
+        </p:txBody>
+      </p:sp>
+      <p:cxnSp>
+        <p:nvCxnSpPr>
+          <p:cNvPr id="109" name="연결선: 꺾임 108"/>
+          <p:cNvCxnSpPr>
+            <a:cxnSpLocks/>
+            <a:stCxn id="107" idx="2"/>
+          </p:cNvCxnSpPr>
+          <p:nvPr/>
+        </p:nvCxnSpPr>
+        <p:spPr>
+          <a:xfrm rot="16200000" flipH="1">
+            <a:off x="2693196" y="3968913"/>
+            <a:ext cx="489790" cy="1393104"/>
+          </a:xfrm>
+          <a:prstGeom prst="bentConnector2">
+            <a:avLst/>
           </a:prstGeom>
           <a:ln w="28575">
             <a:solidFill>

--- a/Document/01. 퓨우웅 [Ppyungung] 전체 플로우 및 마일스톤.pptx
+++ b/Document/01. 퓨우웅 [Ppyungung] 전체 플로우 및 마일스톤.pptx
@@ -292,7 +292,7 @@
           <a:p>
             <a:fld id="{C64DB03E-8121-4F0F-9612-3E1A417CD2B1}" type="datetimeFigureOut">
               <a:rPr lang="ko-KR" altLang="en-US" smtClean="0"/>
-              <a:t>2017-02-26</a:t>
+              <a:t>2017-03-19</a:t>
             </a:fld>
             <a:endParaRPr lang="ko-KR" altLang="en-US"/>
           </a:p>
@@ -525,7 +525,7 @@
           <a:p>
             <a:fld id="{C64DB03E-8121-4F0F-9612-3E1A417CD2B1}" type="datetimeFigureOut">
               <a:rPr lang="ko-KR" altLang="en-US" smtClean="0"/>
-              <a:t>2017-02-26</a:t>
+              <a:t>2017-03-19</a:t>
             </a:fld>
             <a:endParaRPr lang="ko-KR" altLang="en-US"/>
           </a:p>
@@ -710,7 +710,7 @@
           <a:p>
             <a:fld id="{C64DB03E-8121-4F0F-9612-3E1A417CD2B1}" type="datetimeFigureOut">
               <a:rPr lang="ko-KR" altLang="en-US" smtClean="0"/>
-              <a:t>2017-02-26</a:t>
+              <a:t>2017-03-19</a:t>
             </a:fld>
             <a:endParaRPr lang="ko-KR" altLang="en-US"/>
           </a:p>
@@ -885,7 +885,7 @@
           <a:p>
             <a:fld id="{C64DB03E-8121-4F0F-9612-3E1A417CD2B1}" type="datetimeFigureOut">
               <a:rPr lang="ko-KR" altLang="en-US" smtClean="0"/>
-              <a:t>2017-02-26</a:t>
+              <a:t>2017-03-19</a:t>
             </a:fld>
             <a:endParaRPr lang="ko-KR" altLang="en-US"/>
           </a:p>
@@ -1144,7 +1144,7 @@
           <a:p>
             <a:fld id="{C64DB03E-8121-4F0F-9612-3E1A417CD2B1}" type="datetimeFigureOut">
               <a:rPr lang="ko-KR" altLang="en-US" smtClean="0"/>
-              <a:t>2017-02-26</a:t>
+              <a:t>2017-03-19</a:t>
             </a:fld>
             <a:endParaRPr lang="ko-KR" altLang="en-US"/>
           </a:p>
@@ -1475,7 +1475,7 @@
           <a:p>
             <a:fld id="{C64DB03E-8121-4F0F-9612-3E1A417CD2B1}" type="datetimeFigureOut">
               <a:rPr lang="ko-KR" altLang="en-US" smtClean="0"/>
-              <a:t>2017-02-26</a:t>
+              <a:t>2017-03-19</a:t>
             </a:fld>
             <a:endParaRPr lang="ko-KR" altLang="en-US"/>
           </a:p>
@@ -1931,7 +1931,7 @@
           <a:p>
             <a:fld id="{C64DB03E-8121-4F0F-9612-3E1A417CD2B1}" type="datetimeFigureOut">
               <a:rPr lang="ko-KR" altLang="en-US" smtClean="0"/>
-              <a:t>2017-02-26</a:t>
+              <a:t>2017-03-19</a:t>
             </a:fld>
             <a:endParaRPr lang="ko-KR" altLang="en-US"/>
           </a:p>
@@ -2054,7 +2054,7 @@
           <a:p>
             <a:fld id="{C64DB03E-8121-4F0F-9612-3E1A417CD2B1}" type="datetimeFigureOut">
               <a:rPr lang="ko-KR" altLang="en-US" smtClean="0"/>
-              <a:t>2017-02-26</a:t>
+              <a:t>2017-03-19</a:t>
             </a:fld>
             <a:endParaRPr lang="ko-KR" altLang="en-US"/>
           </a:p>
@@ -2154,7 +2154,7 @@
           <a:p>
             <a:fld id="{C64DB03E-8121-4F0F-9612-3E1A417CD2B1}" type="datetimeFigureOut">
               <a:rPr lang="ko-KR" altLang="en-US" smtClean="0"/>
-              <a:t>2017-02-26</a:t>
+              <a:t>2017-03-19</a:t>
             </a:fld>
             <a:endParaRPr lang="ko-KR" altLang="en-US"/>
           </a:p>
@@ -2446,7 +2446,7 @@
           <a:p>
             <a:fld id="{C64DB03E-8121-4F0F-9612-3E1A417CD2B1}" type="datetimeFigureOut">
               <a:rPr lang="ko-KR" altLang="en-US" smtClean="0"/>
-              <a:t>2017-02-26</a:t>
+              <a:t>2017-03-19</a:t>
             </a:fld>
             <a:endParaRPr lang="ko-KR" altLang="en-US"/>
           </a:p>
@@ -2771,7 +2771,7 @@
           <a:p>
             <a:fld id="{C64DB03E-8121-4F0F-9612-3E1A417CD2B1}" type="datetimeFigureOut">
               <a:rPr lang="ko-KR" altLang="en-US" smtClean="0"/>
-              <a:t>2017-02-26</a:t>
+              <a:t>2017-03-19</a:t>
             </a:fld>
             <a:endParaRPr lang="ko-KR" altLang="en-US"/>
           </a:p>
@@ -3025,7 +3025,7 @@
           <a:p>
             <a:fld id="{C64DB03E-8121-4F0F-9612-3E1A417CD2B1}" type="datetimeFigureOut">
               <a:rPr lang="ko-KR" altLang="en-US" smtClean="0"/>
-              <a:t>2017-02-26</a:t>
+              <a:t>2017-03-19</a:t>
             </a:fld>
             <a:endParaRPr lang="ko-KR" altLang="en-US"/>
           </a:p>
@@ -5134,124 +5134,31 @@
           <a:p>
             <a:pPr lvl="1"/>
             <a:r>
-              <a:rPr lang="ko-KR" altLang="en-US" sz="1200" dirty="0">
+              <a:rPr lang="ko-KR" altLang="en-US" sz="1200" dirty="0" smtClean="0">
                 <a:solidFill>
                   <a:srgbClr val="FFC000"/>
                 </a:solidFill>
                 <a:latin typeface="+mn-ea"/>
               </a:rPr>
-              <a:t>헬멧</a:t>
-            </a:r>
-            <a:r>
-              <a:rPr lang="en-US" altLang="ko-KR" sz="1200" dirty="0">
+              <a:t>캐릭터 </a:t>
+            </a:r>
+            <a:r>
+              <a:rPr lang="ko-KR" altLang="en-US" sz="1200" dirty="0">
                 <a:solidFill>
                   <a:srgbClr val="FFC000"/>
                 </a:solidFill>
                 <a:latin typeface="+mn-ea"/>
               </a:rPr>
-              <a:t>, </a:t>
-            </a:r>
-            <a:r>
-              <a:rPr lang="ko-KR" altLang="en-US" sz="1200" dirty="0">
-                <a:solidFill>
-                  <a:srgbClr val="FFC000"/>
-                </a:solidFill>
-                <a:latin typeface="+mn-ea"/>
-              </a:rPr>
-              <a:t>무기</a:t>
-            </a:r>
-            <a:r>
-              <a:rPr lang="en-US" altLang="ko-KR" sz="1200" dirty="0">
-                <a:solidFill>
-                  <a:srgbClr val="FFC000"/>
-                </a:solidFill>
-                <a:latin typeface="+mn-ea"/>
-              </a:rPr>
-              <a:t>, </a:t>
-            </a:r>
-            <a:r>
-              <a:rPr lang="ko-KR" altLang="en-US" sz="1200" dirty="0" err="1">
-                <a:solidFill>
-                  <a:srgbClr val="FFC000"/>
-                </a:solidFill>
-                <a:latin typeface="+mn-ea"/>
-              </a:rPr>
-              <a:t>부스터</a:t>
-            </a:r>
-            <a:r>
-              <a:rPr lang="ko-KR" altLang="en-US" sz="1200" dirty="0">
-                <a:solidFill>
-                  <a:srgbClr val="FFC000"/>
-                </a:solidFill>
-                <a:latin typeface="+mn-ea"/>
-              </a:rPr>
-              <a:t> 구매 및 변경 </a:t>
-            </a:r>
-            <a:r>
-              <a:rPr lang="en-US" altLang="ko-KR" sz="1200" dirty="0">
+              <a:t>구매 및 변경 </a:t>
+            </a:r>
+            <a:r>
+              <a:rPr lang="en-US" altLang="ko-KR" sz="1200" dirty="0" smtClean="0">
                 <a:solidFill>
                   <a:srgbClr val="FFC000"/>
                 </a:solidFill>
                 <a:latin typeface="+mn-ea"/>
               </a:rPr>
               <a:t>UI</a:t>
-            </a:r>
-          </a:p>
-          <a:p>
-            <a:pPr lvl="1"/>
-            <a:r>
-              <a:rPr lang="ko-KR" altLang="en-US" sz="1200" dirty="0">
-                <a:solidFill>
-                  <a:srgbClr val="FFC000"/>
-                </a:solidFill>
-                <a:latin typeface="+mn-ea"/>
-              </a:rPr>
-              <a:t>헬멧</a:t>
-            </a:r>
-            <a:r>
-              <a:rPr lang="en-US" altLang="ko-KR" sz="1200" dirty="0">
-                <a:solidFill>
-                  <a:srgbClr val="FFC000"/>
-                </a:solidFill>
-                <a:latin typeface="+mn-ea"/>
-              </a:rPr>
-              <a:t>, </a:t>
-            </a:r>
-            <a:r>
-              <a:rPr lang="ko-KR" altLang="en-US" sz="1200" dirty="0">
-                <a:solidFill>
-                  <a:srgbClr val="FFC000"/>
-                </a:solidFill>
-                <a:latin typeface="+mn-ea"/>
-              </a:rPr>
-              <a:t>무기</a:t>
-            </a:r>
-            <a:r>
-              <a:rPr lang="en-US" altLang="ko-KR" sz="1200" dirty="0">
-                <a:solidFill>
-                  <a:srgbClr val="FFC000"/>
-                </a:solidFill>
-                <a:latin typeface="+mn-ea"/>
-              </a:rPr>
-              <a:t>, </a:t>
-            </a:r>
-            <a:r>
-              <a:rPr lang="ko-KR" altLang="en-US" sz="1200" dirty="0" err="1">
-                <a:solidFill>
-                  <a:srgbClr val="FFC000"/>
-                </a:solidFill>
-                <a:latin typeface="+mn-ea"/>
-              </a:rPr>
-              <a:t>부스터</a:t>
-            </a:r>
-            <a:r>
-              <a:rPr lang="ko-KR" altLang="en-US" sz="1200" dirty="0">
-                <a:solidFill>
-                  <a:srgbClr val="FFC000"/>
-                </a:solidFill>
-                <a:latin typeface="+mn-ea"/>
-              </a:rPr>
-              <a:t> 변경에 따른 로봇 커스터마이징</a:t>
             </a:r>
             <a:endParaRPr lang="en-US" altLang="ko-KR" sz="1200" dirty="0">
               <a:solidFill>
@@ -6775,15 +6682,80 @@
           </a:p>
           <a:p>
             <a:r>
-              <a:rPr lang="ko-KR" altLang="en-US" sz="1400" dirty="0">
+              <a:rPr lang="ko-KR" altLang="en-US" sz="1400" dirty="0" smtClean="0">
                 <a:solidFill>
                   <a:srgbClr val="FFC000"/>
                 </a:solidFill>
                 <a:latin typeface="+mn-ea"/>
               </a:rPr>
-              <a:t>게임 오버 광고 붙이기</a:t>
-            </a:r>
-            <a:endParaRPr lang="en-US" altLang="ko-KR" sz="1400" dirty="0">
+              <a:t>게임 오버 광고 붙이기 </a:t>
+            </a:r>
+            <a:r>
+              <a:rPr lang="en-US" altLang="ko-KR" sz="1400" dirty="0" smtClean="0">
+                <a:solidFill>
+                  <a:srgbClr val="FFC000"/>
+                </a:solidFill>
+                <a:latin typeface="+mn-ea"/>
+              </a:rPr>
+              <a:t>( </a:t>
+            </a:r>
+            <a:r>
+              <a:rPr lang="ko-KR" altLang="en-US" sz="1400" dirty="0" smtClean="0">
+                <a:solidFill>
+                  <a:srgbClr val="FFC000"/>
+                </a:solidFill>
+                <a:latin typeface="+mn-ea"/>
+              </a:rPr>
+              <a:t>이어하기</a:t>
+            </a:r>
+            <a:r>
+              <a:rPr lang="en-US" altLang="ko-KR" sz="1400" dirty="0" smtClean="0">
+                <a:solidFill>
+                  <a:srgbClr val="FFC000"/>
+                </a:solidFill>
+                <a:latin typeface="+mn-ea"/>
+              </a:rPr>
+              <a:t>, </a:t>
+            </a:r>
+            <a:r>
+              <a:rPr lang="ko-KR" altLang="en-US" sz="1400" dirty="0" smtClean="0">
+                <a:solidFill>
+                  <a:srgbClr val="FFC000"/>
+                </a:solidFill>
+                <a:latin typeface="+mn-ea"/>
+              </a:rPr>
+              <a:t>코인 두배</a:t>
+            </a:r>
+            <a:r>
+              <a:rPr lang="en-US" altLang="ko-KR" sz="1400" dirty="0" smtClean="0">
+                <a:solidFill>
+                  <a:srgbClr val="FFC000"/>
+                </a:solidFill>
+                <a:latin typeface="+mn-ea"/>
+              </a:rPr>
+              <a:t>)</a:t>
+            </a:r>
+          </a:p>
+          <a:p>
+            <a:r>
+              <a:rPr lang="ko-KR" altLang="en-US" sz="1400" dirty="0" err="1" smtClean="0">
+                <a:solidFill>
+                  <a:srgbClr val="FFC000"/>
+                </a:solidFill>
+                <a:latin typeface="+mn-ea"/>
+              </a:rPr>
+              <a:t>스플래시</a:t>
+            </a:r>
+            <a:r>
+              <a:rPr lang="ko-KR" altLang="en-US" sz="1400" dirty="0" smtClean="0">
+                <a:solidFill>
+                  <a:srgbClr val="FFC000"/>
+                </a:solidFill>
+                <a:latin typeface="+mn-ea"/>
+              </a:rPr>
+              <a:t> 이미지 변경</a:t>
+            </a:r>
+            <a:endParaRPr lang="en-US" altLang="ko-KR" sz="1400" dirty="0" smtClean="0">
               <a:solidFill>
                 <a:srgbClr val="FFC000"/>
               </a:solidFill>
@@ -6792,24 +6764,15 @@
           </a:p>
           <a:p>
             <a:r>
-              <a:rPr lang="ko-KR" altLang="en-US" sz="1400" dirty="0" err="1">
+              <a:rPr lang="ko-KR" altLang="en-US" sz="1400" dirty="0" smtClean="0">
                 <a:solidFill>
                   <a:srgbClr val="FFC000"/>
                 </a:solidFill>
                 <a:latin typeface="+mn-ea"/>
               </a:rPr>
-              <a:t>스플레시</a:t>
-            </a:r>
-            <a:r>
-              <a:rPr lang="ko-KR" altLang="en-US" sz="1400" dirty="0">
-                <a:solidFill>
-                  <a:srgbClr val="FFC000"/>
-                </a:solidFill>
-                <a:latin typeface="+mn-ea"/>
-              </a:rPr>
-              <a:t> 이미지 변경</a:t>
-            </a:r>
-            <a:endParaRPr lang="en-US" altLang="ko-KR" sz="1400" dirty="0">
+              <a:t>공유하기 기능 추가</a:t>
+            </a:r>
+            <a:endParaRPr lang="en-US" altLang="ko-KR" sz="1400" dirty="0" smtClean="0">
               <a:solidFill>
                 <a:srgbClr val="FFC000"/>
               </a:solidFill>
@@ -6818,24 +6781,7 @@
           </a:p>
           <a:p>
             <a:r>
-              <a:rPr lang="ko-KR" altLang="en-US" sz="1400" dirty="0">
-                <a:solidFill>
-                  <a:srgbClr val="FFC000"/>
-                </a:solidFill>
-                <a:latin typeface="+mn-ea"/>
-              </a:rPr>
-              <a:t>공유하기 기능 추가</a:t>
-            </a:r>
-            <a:endParaRPr lang="en-US" altLang="ko-KR" sz="1400" dirty="0">
-              <a:solidFill>
-                <a:srgbClr val="FFC000"/>
-              </a:solidFill>
-              <a:latin typeface="+mn-ea"/>
-            </a:endParaRPr>
-          </a:p>
-          <a:p>
-            <a:r>
-              <a:rPr lang="ko-KR" altLang="en-US" sz="1400" dirty="0">
+              <a:rPr lang="ko-KR" altLang="en-US" sz="1400" dirty="0" smtClean="0">
                 <a:solidFill>
                   <a:srgbClr val="FFC000"/>
                 </a:solidFill>
@@ -6844,7 +6790,7 @@
               <a:t>구글 로그인 </a:t>
             </a:r>
             <a:r>
-              <a:rPr lang="en-US" altLang="ko-KR" sz="1400" dirty="0">
+              <a:rPr lang="en-US" altLang="ko-KR" sz="1400" dirty="0" smtClean="0">
                 <a:solidFill>
                   <a:srgbClr val="FFC000"/>
                 </a:solidFill>
@@ -6853,7 +6799,7 @@
               <a:t>&amp;</a:t>
             </a:r>
             <a:r>
-              <a:rPr lang="ko-KR" altLang="en-US" sz="1400" dirty="0">
+              <a:rPr lang="ko-KR" altLang="en-US" sz="1400" dirty="0" smtClean="0">
                 <a:solidFill>
                   <a:srgbClr val="FFC000"/>
                 </a:solidFill>
@@ -6862,7 +6808,7 @@
               <a:t> 랭킹 </a:t>
             </a:r>
             <a:r>
-              <a:rPr lang="en-US" altLang="ko-KR" sz="1400" dirty="0">
+              <a:rPr lang="en-US" altLang="ko-KR" sz="1400" dirty="0" smtClean="0">
                 <a:solidFill>
                   <a:srgbClr val="FFC000"/>
                 </a:solidFill>
@@ -6871,16 +6817,25 @@
               <a:t>&amp; </a:t>
             </a:r>
             <a:r>
-              <a:rPr lang="ko-KR" altLang="en-US" sz="1400" dirty="0">
+              <a:rPr lang="ko-KR" altLang="en-US" sz="1400" dirty="0" err="1" smtClean="0">
                 <a:solidFill>
                   <a:srgbClr val="FFC000"/>
                 </a:solidFill>
                 <a:latin typeface="+mn-ea"/>
               </a:rPr>
-              <a:t>클라우드 저장 및 불러오기</a:t>
-            </a:r>
-            <a:r>
-              <a:rPr lang="en-US" altLang="ko-KR" sz="1400" dirty="0">
+              <a:t>클라우드</a:t>
+            </a:r>
+            <a:r>
+              <a:rPr lang="ko-KR" altLang="en-US" sz="1400" dirty="0" smtClean="0">
+                <a:solidFill>
+                  <a:srgbClr val="FFC000"/>
+                </a:solidFill>
+                <a:latin typeface="+mn-ea"/>
+              </a:rPr>
+              <a:t> 저장 및 불러오기</a:t>
+            </a:r>
+            <a:r>
+              <a:rPr lang="en-US" altLang="ko-KR" sz="1400" dirty="0" smtClean="0">
                 <a:solidFill>
                   <a:srgbClr val="FFC000"/>
                 </a:solidFill>
@@ -6889,7 +6844,7 @@
               <a:t>(</a:t>
             </a:r>
             <a:r>
-              <a:rPr lang="ko-KR" altLang="en-US" sz="1400" dirty="0">
+              <a:rPr lang="ko-KR" altLang="en-US" sz="1400" dirty="0" smtClean="0">
                 <a:solidFill>
                   <a:srgbClr val="FFC000"/>
                 </a:solidFill>
@@ -6898,7 +6853,7 @@
               <a:t>옵션에서 제공</a:t>
             </a:r>
             <a:r>
-              <a:rPr lang="en-US" altLang="ko-KR" sz="1400">
+              <a:rPr lang="en-US" altLang="ko-KR" sz="1400" dirty="0" smtClean="0">
                 <a:solidFill>
                   <a:srgbClr val="FFC000"/>
                 </a:solidFill>
@@ -6906,22 +6861,25 @@
               </a:rPr>
               <a:t>)</a:t>
             </a:r>
-            <a:endParaRPr lang="en-US" altLang="ko-KR" sz="1400" dirty="0">
-              <a:solidFill>
-                <a:srgbClr val="FFC000"/>
-              </a:solidFill>
-              <a:latin typeface="+mn-ea"/>
-            </a:endParaRPr>
-          </a:p>
-          <a:p>
-            <a:r>
-              <a:rPr lang="ko-KR" altLang="en-US" sz="1400" dirty="0">
+          </a:p>
+          <a:p>
+            <a:r>
+              <a:rPr lang="ko-KR" altLang="en-US" sz="1400" dirty="0" smtClean="0">
                 <a:solidFill>
                   <a:srgbClr val="FFC000"/>
                 </a:solidFill>
                 <a:latin typeface="+mn-ea"/>
               </a:rPr>
-              <a:t>평점 유도 팝업</a:t>
+              <a:t>평점 </a:t>
+            </a:r>
+            <a:r>
+              <a:rPr lang="ko-KR" altLang="en-US" sz="1400" dirty="0">
+                <a:solidFill>
+                  <a:srgbClr val="FFC000"/>
+                </a:solidFill>
+                <a:latin typeface="+mn-ea"/>
+              </a:rPr>
+              <a:t>유도 팝업</a:t>
             </a:r>
             <a:endParaRPr lang="en-US" altLang="ko-KR" dirty="0">
               <a:latin typeface="+mn-ea"/>
@@ -25936,9 +25894,18 @@
                 </a:solidFill>
                 <a:latin typeface="+mn-ea"/>
               </a:rPr>
-              <a:t>캐릭터 죽음</a:t>
-            </a:r>
-            <a:endParaRPr lang="en-US" altLang="ko-KR" sz="1400" dirty="0">
+              <a:t>캐릭터 </a:t>
+            </a:r>
+            <a:r>
+              <a:rPr lang="ko-KR" altLang="en-US" sz="1400" dirty="0" smtClean="0">
+                <a:solidFill>
+                  <a:srgbClr val="FFC000"/>
+                </a:solidFill>
+                <a:latin typeface="+mn-ea"/>
+              </a:rPr>
+              <a:t>죽음</a:t>
+            </a:r>
+            <a:endParaRPr lang="en-US" altLang="ko-KR" sz="1400" dirty="0" smtClean="0">
               <a:solidFill>
                 <a:srgbClr val="FFC000"/>
               </a:solidFill>
@@ -25947,7 +25914,7 @@
           </a:p>
           <a:p>
             <a:r>
-              <a:rPr lang="ko-KR" altLang="en-US" sz="1400" dirty="0">
+              <a:rPr lang="ko-KR" altLang="en-US" sz="1400" dirty="0" smtClean="0">
                 <a:solidFill>
                   <a:srgbClr val="FFC000"/>
                 </a:solidFill>
@@ -27390,7 +27357,7 @@
         </p:spPr>
         <p:txBody>
           <a:bodyPr>
-            <a:normAutofit/>
+            <a:normAutofit lnSpcReduction="10000"/>
           </a:bodyPr>
           <a:lstStyle/>
           <a:p>
@@ -27470,13 +27437,22 @@
           </a:p>
           <a:p>
             <a:r>
-              <a:rPr lang="ko-KR" altLang="en-US" sz="1400" dirty="0">
+              <a:rPr lang="ko-KR" altLang="en-US" sz="1400" dirty="0" err="1">
                 <a:solidFill>
                   <a:srgbClr val="FFC000"/>
                 </a:solidFill>
                 <a:latin typeface="+mn-ea"/>
               </a:rPr>
-              <a:t>기타 이벤트</a:t>
+              <a:t>페이즈</a:t>
+            </a:r>
+            <a:r>
+              <a:rPr lang="ko-KR" altLang="en-US" sz="1400" dirty="0">
+                <a:solidFill>
+                  <a:srgbClr val="FFC000"/>
+                </a:solidFill>
+                <a:latin typeface="+mn-ea"/>
+              </a:rPr>
+              <a:t> </a:t>
             </a:r>
             <a:r>
               <a:rPr lang="en-US" altLang="ko-KR" sz="1400" dirty="0">
@@ -27494,7 +27470,7 @@
                 </a:solidFill>
                 <a:latin typeface="+mn-ea"/>
               </a:rPr>
-              <a:t>장애물</a:t>
+              <a:t>선택 </a:t>
             </a:r>
             <a:r>
               <a:rPr lang="en-US" altLang="ko-KR" sz="1400" dirty="0">
@@ -27503,10 +27479,8 @@
                 </a:solidFill>
                 <a:latin typeface="+mn-ea"/>
               </a:rPr>
-              <a:t>, Bonus)</a:t>
-            </a:r>
-          </a:p>
-          <a:p>
+              <a:t>3</a:t>
+            </a:r>
             <a:r>
               <a:rPr lang="ko-KR" altLang="en-US" sz="1400" dirty="0">
                 <a:solidFill>
@@ -27514,7 +27488,27 @@
                 </a:solidFill>
                 <a:latin typeface="+mn-ea"/>
               </a:rPr>
-              <a:t>캐릭터 헬멧</a:t>
+              <a:t>종 아이템</a:t>
+            </a:r>
+            <a:r>
+              <a:rPr lang="en-US" altLang="ko-KR" sz="1400" dirty="0">
+                <a:solidFill>
+                  <a:srgbClr val="FFC000"/>
+                </a:solidFill>
+                <a:latin typeface="+mn-ea"/>
+              </a:rPr>
+              <a:t>)</a:t>
+            </a:r>
+          </a:p>
+          <a:p>
+            <a:r>
+              <a:rPr lang="ko-KR" altLang="en-US" sz="1400" dirty="0">
+                <a:solidFill>
+                  <a:srgbClr val="FFC000"/>
+                </a:solidFill>
+                <a:latin typeface="+mn-ea"/>
+              </a:rPr>
+              <a:t>캐릭터 체력</a:t>
             </a:r>
             <a:r>
               <a:rPr lang="en-US" altLang="ko-KR" sz="1400" dirty="0">
@@ -27526,24 +27520,6 @@
               <a:t>, </a:t>
             </a:r>
             <a:r>
-              <a:rPr lang="ko-KR" altLang="en-US" sz="1400" dirty="0">
-                <a:solidFill>
-                  <a:srgbClr val="FFC000"/>
-                </a:solidFill>
-                <a:latin typeface="+mn-ea"/>
-              </a:rPr>
-              <a:t>무기</a:t>
-            </a:r>
-            <a:r>
-              <a:rPr lang="en-US" altLang="ko-KR" sz="1400" dirty="0">
-                <a:solidFill>
-                  <a:srgbClr val="FFC000"/>
-                </a:solidFill>
-                <a:latin typeface="+mn-ea"/>
-              </a:rPr>
-              <a:t>, </a:t>
-            </a:r>
-            <a:r>
               <a:rPr lang="ko-KR" altLang="en-US" sz="1400" dirty="0" err="1">
                 <a:solidFill>
                   <a:srgbClr val="FFC000"/>
@@ -27559,7 +27535,77 @@
                 </a:solidFill>
                 <a:latin typeface="+mn-ea"/>
               </a:rPr>
-              <a:t> 구매 및 변경 </a:t>
+              <a:t> </a:t>
+            </a:r>
+            <a:r>
+              <a:rPr lang="ko-KR" altLang="en-US" sz="1400" dirty="0" err="1" smtClean="0">
+                <a:solidFill>
+                  <a:srgbClr val="FFC000"/>
+                </a:solidFill>
+                <a:latin typeface="+mn-ea"/>
+              </a:rPr>
+              <a:t>밸런싱</a:t>
+            </a:r>
+            <a:endParaRPr lang="en-US" altLang="ko-KR" sz="1400" dirty="0" smtClean="0">
+              <a:solidFill>
+                <a:srgbClr val="FFC000"/>
+              </a:solidFill>
+              <a:latin typeface="+mn-ea"/>
+            </a:endParaRPr>
+          </a:p>
+          <a:p>
+            <a:r>
+              <a:rPr lang="ko-KR" altLang="en-US" sz="1400" dirty="0" smtClean="0">
+                <a:solidFill>
+                  <a:srgbClr val="FFC000"/>
+                </a:solidFill>
+                <a:latin typeface="+mn-ea"/>
+              </a:rPr>
+              <a:t>무기 </a:t>
+            </a:r>
+            <a:r>
+              <a:rPr lang="en-US" altLang="ko-KR" sz="1400" dirty="0" smtClean="0">
+                <a:solidFill>
+                  <a:srgbClr val="FFC000"/>
+                </a:solidFill>
+                <a:latin typeface="+mn-ea"/>
+              </a:rPr>
+              <a:t>n</a:t>
+            </a:r>
+            <a:r>
+              <a:rPr lang="ko-KR" altLang="en-US" sz="1400" dirty="0" smtClean="0">
+                <a:solidFill>
+                  <a:srgbClr val="FFC000"/>
+                </a:solidFill>
+                <a:latin typeface="+mn-ea"/>
+              </a:rPr>
+              <a:t>종</a:t>
+            </a:r>
+            <a:endParaRPr lang="en-US" altLang="ko-KR" sz="1400" dirty="0" smtClean="0">
+              <a:solidFill>
+                <a:srgbClr val="FFC000"/>
+              </a:solidFill>
+              <a:latin typeface="+mn-ea"/>
+            </a:endParaRPr>
+          </a:p>
+          <a:p>
+            <a:r>
+              <a:rPr lang="ko-KR" altLang="en-US" sz="1400" dirty="0" smtClean="0">
+                <a:solidFill>
+                  <a:srgbClr val="FFC000"/>
+                </a:solidFill>
+                <a:latin typeface="+mn-ea"/>
+              </a:rPr>
+              <a:t>캐릭터 구매 </a:t>
+            </a:r>
+            <a:r>
+              <a:rPr lang="ko-KR" altLang="en-US" sz="1400" dirty="0">
+                <a:solidFill>
+                  <a:srgbClr val="FFC000"/>
+                </a:solidFill>
+                <a:latin typeface="+mn-ea"/>
+              </a:rPr>
+              <a:t>및 변경 </a:t>
             </a:r>
             <a:r>
               <a:rPr lang="en-US" altLang="ko-KR" sz="1400" dirty="0">
@@ -27592,13 +27638,13 @@
           <a:p>
             <a:pPr lvl="1"/>
             <a:r>
-              <a:rPr lang="ko-KR" altLang="en-US" sz="1200" dirty="0">
+              <a:rPr lang="ko-KR" altLang="en-US" sz="1200" dirty="0" smtClean="0">
                 <a:solidFill>
                   <a:srgbClr val="FFC000"/>
                 </a:solidFill>
                 <a:latin typeface="+mn-ea"/>
               </a:rPr>
-              <a:t>변경되는 헬멧</a:t>
+              <a:t>구매</a:t>
             </a:r>
             <a:r>
               <a:rPr lang="en-US" altLang="ko-KR" sz="1200" dirty="0">
@@ -27607,34 +27653,16 @@
                 </a:solidFill>
                 <a:latin typeface="+mn-ea"/>
               </a:rPr>
-              <a:t>, </a:t>
-            </a:r>
-            <a:r>
-              <a:rPr lang="ko-KR" altLang="en-US" sz="1200" dirty="0">
+              <a:t>/</a:t>
+            </a:r>
+            <a:r>
+              <a:rPr lang="ko-KR" altLang="en-US" sz="1200" dirty="0" smtClean="0">
                 <a:solidFill>
                   <a:srgbClr val="FFC000"/>
                 </a:solidFill>
                 <a:latin typeface="+mn-ea"/>
               </a:rPr>
-              <a:t>무기</a:t>
-            </a:r>
-            <a:r>
-              <a:rPr lang="en-US" altLang="ko-KR" sz="1200" dirty="0">
-                <a:solidFill>
-                  <a:srgbClr val="FFC000"/>
-                </a:solidFill>
-                <a:latin typeface="+mn-ea"/>
-              </a:rPr>
-              <a:t>, </a:t>
-            </a:r>
-            <a:r>
-              <a:rPr lang="ko-KR" altLang="en-US" sz="1200" dirty="0">
-                <a:solidFill>
-                  <a:srgbClr val="FFC000"/>
-                </a:solidFill>
-                <a:latin typeface="+mn-ea"/>
-              </a:rPr>
-              <a:t>부스터에 따라 </a:t>
+              <a:t>변경에 따라 </a:t>
             </a:r>
             <a:r>
               <a:rPr lang="ko-KR" altLang="en-US" sz="1200" dirty="0" err="1">
@@ -27652,34 +27680,16 @@
                 </a:solidFill>
                 <a:latin typeface="+mn-ea"/>
               </a:rPr>
-              <a:t> 캐릭터 </a:t>
-            </a:r>
-            <a:r>
-              <a:rPr lang="ko-KR" altLang="en-US" sz="1200" dirty="0" err="1">
+              <a:t> </a:t>
+            </a:r>
+            <a:r>
+              <a:rPr lang="ko-KR" altLang="en-US" sz="1200" dirty="0" smtClean="0">
                 <a:solidFill>
                   <a:srgbClr val="FFC000"/>
                 </a:solidFill>
                 <a:latin typeface="+mn-ea"/>
               </a:rPr>
-              <a:t>커스터</a:t>
-            </a:r>
-            <a:r>
-              <a:rPr lang="ko-KR" altLang="en-US" sz="1200" dirty="0">
-                <a:solidFill>
-                  <a:srgbClr val="FFC000"/>
-                </a:solidFill>
-                <a:latin typeface="+mn-ea"/>
-              </a:rPr>
-              <a:t> </a:t>
-            </a:r>
-            <a:r>
-              <a:rPr lang="ko-KR" altLang="en-US" sz="1200" dirty="0" err="1">
-                <a:solidFill>
-                  <a:srgbClr val="FFC000"/>
-                </a:solidFill>
-                <a:latin typeface="+mn-ea"/>
-              </a:rPr>
-              <a:t>마이징</a:t>
+              <a:t>캐릭터 변경</a:t>
             </a:r>
             <a:endParaRPr lang="en-US" altLang="ko-KR" sz="1200" dirty="0">
               <a:solidFill>
